--- a/Prezentacija.pptx
+++ b/Prezentacija.pptx
@@ -1,6 +1,6 @@
 
 <file path=ppt/presentation.xml><?xml version="1.0" encoding="utf-8"?>
-<p:presentation xmlns:a="http://schemas.openxmlformats.org/drawingml/2006/main" xmlns:r="http://schemas.openxmlformats.org/officeDocument/2006/relationships" xmlns:p="http://schemas.openxmlformats.org/presentationml/2006/main" autoCompressPictures="0">
+<p:presentation xmlns:a="http://schemas.openxmlformats.org/drawingml/2006/main" xmlns:r="http://schemas.openxmlformats.org/officeDocument/2006/relationships" xmlns:p="http://schemas.openxmlformats.org/presentationml/2006/main" autoCompressPictures="0" bookmarkIdSeed="2">
   <p:sldMasterIdLst>
     <p:sldMasterId id="2147483648" r:id="rId1"/>
   </p:sldMasterIdLst>
@@ -9,6 +9,15 @@
     <p:sldId id="257" r:id="rId3"/>
     <p:sldId id="258" r:id="rId4"/>
     <p:sldId id="259" r:id="rId5"/>
+    <p:sldId id="260" r:id="rId6"/>
+    <p:sldId id="262" r:id="rId7"/>
+    <p:sldId id="261" r:id="rId8"/>
+    <p:sldId id="263" r:id="rId9"/>
+    <p:sldId id="264" r:id="rId10"/>
+    <p:sldId id="265" r:id="rId11"/>
+    <p:sldId id="266" r:id="rId12"/>
+    <p:sldId id="267" r:id="rId13"/>
+    <p:sldId id="268" r:id="rId14"/>
   </p:sldIdLst>
   <p:sldSz cx="12192000" cy="6858000"/>
   <p:notesSz cx="6858000" cy="9144000"/>
@@ -157,7 +166,7 @@
           </a:lstStyle>
           <a:p>
             <a:r>
-              <a:rPr lang="en-US" smtClean="0"/>
+              <a:rPr lang="en-US"/>
               <a:t>Click to edit Master title style</a:t>
             </a:r>
             <a:endParaRPr lang="en-US" dirty="0"/>
@@ -277,7 +286,7 @@
           </a:lstStyle>
           <a:p>
             <a:r>
-              <a:rPr lang="en-US" smtClean="0"/>
+              <a:rPr lang="en-US"/>
               <a:t>Click to edit Master subtitle style</a:t>
             </a:r>
             <a:endParaRPr lang="en-US" dirty="0"/>
@@ -401,7 +410,7 @@
           </a:lstStyle>
           <a:p>
             <a:r>
-              <a:rPr lang="en-US" smtClean="0"/>
+              <a:rPr lang="en-US"/>
               <a:t>Click to edit Master title style</a:t>
             </a:r>
             <a:endParaRPr lang="en-US" dirty="0"/>
@@ -480,10 +489,9 @@
           </a:lstStyle>
           <a:p>
             <a:r>
-              <a:rPr lang="en-US" smtClean="0"/>
+              <a:rPr lang="en-US" dirty="0"/>
               <a:t>Click icon to add picture</a:t>
             </a:r>
-            <a:endParaRPr lang="en-US" dirty="0"/>
           </a:p>
         </p:txBody>
       </p:sp>
@@ -548,7 +556,7 @@
           <a:p>
             <a:pPr lvl="0"/>
             <a:r>
-              <a:rPr lang="en-US" smtClean="0"/>
+              <a:rPr lang="en-US"/>
               <a:t>Edit Master text styles</a:t>
             </a:r>
           </a:p>
@@ -669,7 +677,7 @@
           </a:lstStyle>
           <a:p>
             <a:r>
-              <a:rPr lang="en-US" smtClean="0"/>
+              <a:rPr lang="en-US"/>
               <a:t>Click to edit Master title style</a:t>
             </a:r>
             <a:endParaRPr lang="en-US" dirty="0"/>
@@ -737,7 +745,7 @@
           <a:p>
             <a:pPr lvl="0"/>
             <a:r>
-              <a:rPr lang="en-US" smtClean="0"/>
+              <a:rPr lang="en-US"/>
               <a:t>Edit Master text styles</a:t>
             </a:r>
           </a:p>
@@ -858,7 +866,7 @@
           </a:lstStyle>
           <a:p>
             <a:r>
-              <a:rPr lang="en-US" smtClean="0"/>
+              <a:rPr lang="en-US"/>
               <a:t>Click to edit Master title style</a:t>
             </a:r>
             <a:endParaRPr lang="en-US" dirty="0"/>
@@ -938,7 +946,7 @@
               <a:buNone/>
             </a:pPr>
             <a:r>
-              <a:rPr lang="en-US" smtClean="0"/>
+              <a:rPr lang="en-US"/>
               <a:t>Edit Master text styles</a:t>
             </a:r>
           </a:p>
@@ -1005,7 +1013,7 @@
           <a:p>
             <a:pPr lvl="0"/>
             <a:r>
-              <a:rPr lang="en-US" smtClean="0"/>
+              <a:rPr lang="en-US"/>
               <a:t>Edit Master text styles</a:t>
             </a:r>
           </a:p>
@@ -1220,7 +1228,7 @@
           </a:lstStyle>
           <a:p>
             <a:r>
-              <a:rPr lang="en-US" smtClean="0"/>
+              <a:rPr lang="en-US"/>
               <a:t>Click to edit Master title style</a:t>
             </a:r>
             <a:endParaRPr lang="en-US" dirty="0"/>
@@ -1341,7 +1349,7 @@
           <a:p>
             <a:pPr lvl="0"/>
             <a:r>
-              <a:rPr lang="en-US" smtClean="0"/>
+              <a:rPr lang="en-US"/>
               <a:t>Edit Master text styles</a:t>
             </a:r>
           </a:p>
@@ -1457,7 +1465,7 @@
           </a:lstStyle>
           <a:p>
             <a:r>
-              <a:rPr lang="en-US" smtClean="0"/>
+              <a:rPr lang="en-US"/>
               <a:t>Click to edit Master title style</a:t>
             </a:r>
             <a:endParaRPr lang="en-US" dirty="0"/>
@@ -1532,7 +1540,7 @@
           <a:p>
             <a:pPr lvl="0"/>
             <a:r>
-              <a:rPr lang="en-US" smtClean="0"/>
+              <a:rPr lang="en-US"/>
               <a:t>Edit Master text styles</a:t>
             </a:r>
           </a:p>
@@ -1599,7 +1607,7 @@
           <a:p>
             <a:pPr lvl="0"/>
             <a:r>
-              <a:rPr lang="en-US" smtClean="0"/>
+              <a:rPr lang="en-US"/>
               <a:t>Edit Master text styles</a:t>
             </a:r>
           </a:p>
@@ -1673,7 +1681,7 @@
           <a:p>
             <a:pPr lvl="0"/>
             <a:r>
-              <a:rPr lang="en-US" smtClean="0"/>
+              <a:rPr lang="en-US"/>
               <a:t>Edit Master text styles</a:t>
             </a:r>
           </a:p>
@@ -1740,7 +1748,7 @@
           <a:p>
             <a:pPr lvl="0"/>
             <a:r>
-              <a:rPr lang="en-US" smtClean="0"/>
+              <a:rPr lang="en-US"/>
               <a:t>Edit Master text styles</a:t>
             </a:r>
           </a:p>
@@ -1814,7 +1822,7 @@
           <a:p>
             <a:pPr lvl="0"/>
             <a:r>
-              <a:rPr lang="en-US" smtClean="0"/>
+              <a:rPr lang="en-US"/>
               <a:t>Edit Master text styles</a:t>
             </a:r>
           </a:p>
@@ -1881,7 +1889,7 @@
           <a:p>
             <a:pPr lvl="0"/>
             <a:r>
-              <a:rPr lang="en-US" smtClean="0"/>
+              <a:rPr lang="en-US"/>
               <a:t>Edit Master text styles</a:t>
             </a:r>
           </a:p>
@@ -2075,7 +2083,7 @@
           </a:lstStyle>
           <a:p>
             <a:r>
-              <a:rPr lang="en-US" smtClean="0"/>
+              <a:rPr lang="en-US"/>
               <a:t>Click to edit Master title style</a:t>
             </a:r>
             <a:endParaRPr lang="en-US" dirty="0"/>
@@ -2150,7 +2158,7 @@
           <a:p>
             <a:pPr lvl="0"/>
             <a:r>
-              <a:rPr lang="en-US" smtClean="0"/>
+              <a:rPr lang="en-US"/>
               <a:t>Edit Master text styles</a:t>
             </a:r>
           </a:p>
@@ -2228,10 +2236,9 @@
           </a:lstStyle>
           <a:p>
             <a:r>
-              <a:rPr lang="en-US" smtClean="0"/>
+              <a:rPr lang="en-US" dirty="0"/>
               <a:t>Click icon to add picture</a:t>
             </a:r>
-            <a:endParaRPr lang="en-US" dirty="0"/>
           </a:p>
         </p:txBody>
       </p:sp>
@@ -2296,7 +2303,7 @@
           <a:p>
             <a:pPr lvl="0"/>
             <a:r>
-              <a:rPr lang="en-US" smtClean="0"/>
+              <a:rPr lang="en-US"/>
               <a:t>Edit Master text styles</a:t>
             </a:r>
           </a:p>
@@ -2370,7 +2377,7 @@
           <a:p>
             <a:pPr lvl="0"/>
             <a:r>
-              <a:rPr lang="en-US" smtClean="0"/>
+              <a:rPr lang="en-US"/>
               <a:t>Edit Master text styles</a:t>
             </a:r>
           </a:p>
@@ -2448,10 +2455,9 @@
           </a:lstStyle>
           <a:p>
             <a:r>
-              <a:rPr lang="en-US" smtClean="0"/>
+              <a:rPr lang="en-US" dirty="0"/>
               <a:t>Click icon to add picture</a:t>
             </a:r>
-            <a:endParaRPr lang="en-US" dirty="0"/>
           </a:p>
         </p:txBody>
       </p:sp>
@@ -2516,7 +2522,7 @@
           <a:p>
             <a:pPr lvl="0"/>
             <a:r>
-              <a:rPr lang="en-US" smtClean="0"/>
+              <a:rPr lang="en-US"/>
               <a:t>Edit Master text styles</a:t>
             </a:r>
           </a:p>
@@ -2590,7 +2596,7 @@
           <a:p>
             <a:pPr lvl="0"/>
             <a:r>
-              <a:rPr lang="en-US" smtClean="0"/>
+              <a:rPr lang="en-US"/>
               <a:t>Edit Master text styles</a:t>
             </a:r>
           </a:p>
@@ -2668,10 +2674,9 @@
           </a:lstStyle>
           <a:p>
             <a:r>
-              <a:rPr lang="en-US" smtClean="0"/>
+              <a:rPr lang="en-US" dirty="0"/>
               <a:t>Click icon to add picture</a:t>
             </a:r>
-            <a:endParaRPr lang="en-US" dirty="0"/>
           </a:p>
         </p:txBody>
       </p:sp>
@@ -2736,7 +2741,7 @@
           <a:p>
             <a:pPr lvl="0"/>
             <a:r>
-              <a:rPr lang="en-US" smtClean="0"/>
+              <a:rPr lang="en-US"/>
               <a:t>Edit Master text styles</a:t>
             </a:r>
           </a:p>
@@ -2926,7 +2931,7 @@
           <a:lstStyle/>
           <a:p>
             <a:r>
-              <a:rPr lang="en-US" smtClean="0"/>
+              <a:rPr lang="en-US"/>
               <a:t>Click to edit Master title style</a:t>
             </a:r>
             <a:endParaRPr lang="en-US" dirty="0"/>
@@ -2950,35 +2955,35 @@
           <a:p>
             <a:pPr lvl="0"/>
             <a:r>
-              <a:rPr lang="en-US" smtClean="0"/>
+              <a:rPr lang="en-US"/>
               <a:t>Edit Master text styles</a:t>
             </a:r>
           </a:p>
           <a:p>
             <a:pPr lvl="1"/>
             <a:r>
-              <a:rPr lang="en-US" smtClean="0"/>
+              <a:rPr lang="en-US"/>
               <a:t>Second level</a:t>
             </a:r>
           </a:p>
           <a:p>
             <a:pPr lvl="2"/>
             <a:r>
-              <a:rPr lang="en-US" smtClean="0"/>
+              <a:rPr lang="en-US"/>
               <a:t>Third level</a:t>
             </a:r>
           </a:p>
           <a:p>
             <a:pPr lvl="3"/>
             <a:r>
-              <a:rPr lang="en-US" smtClean="0"/>
+              <a:rPr lang="en-US"/>
               <a:t>Fourth level</a:t>
             </a:r>
           </a:p>
           <a:p>
             <a:pPr lvl="4"/>
             <a:r>
-              <a:rPr lang="en-US" smtClean="0"/>
+              <a:rPr lang="en-US"/>
               <a:t>Fifth level</a:t>
             </a:r>
             <a:endParaRPr lang="en-US" dirty="0"/>
@@ -3096,7 +3101,7 @@
           <a:lstStyle/>
           <a:p>
             <a:r>
-              <a:rPr lang="en-US" smtClean="0"/>
+              <a:rPr lang="en-US"/>
               <a:t>Click to edit Master title style</a:t>
             </a:r>
             <a:endParaRPr lang="en-US" dirty="0"/>
@@ -3125,35 +3130,35 @@
           <a:p>
             <a:pPr lvl="0"/>
             <a:r>
-              <a:rPr lang="en-US" smtClean="0"/>
+              <a:rPr lang="en-US"/>
               <a:t>Edit Master text styles</a:t>
             </a:r>
           </a:p>
           <a:p>
             <a:pPr lvl="1"/>
             <a:r>
-              <a:rPr lang="en-US" smtClean="0"/>
+              <a:rPr lang="en-US"/>
               <a:t>Second level</a:t>
             </a:r>
           </a:p>
           <a:p>
             <a:pPr lvl="2"/>
             <a:r>
-              <a:rPr lang="en-US" smtClean="0"/>
+              <a:rPr lang="en-US"/>
               <a:t>Third level</a:t>
             </a:r>
           </a:p>
           <a:p>
             <a:pPr lvl="3"/>
             <a:r>
-              <a:rPr lang="en-US" smtClean="0"/>
+              <a:rPr lang="en-US"/>
               <a:t>Fourth level</a:t>
             </a:r>
           </a:p>
           <a:p>
             <a:pPr lvl="4"/>
             <a:r>
-              <a:rPr lang="en-US" smtClean="0"/>
+              <a:rPr lang="en-US"/>
               <a:t>Fifth level</a:t>
             </a:r>
             <a:endParaRPr lang="en-US" dirty="0"/>
@@ -3266,7 +3271,7 @@
           <a:lstStyle/>
           <a:p>
             <a:r>
-              <a:rPr lang="en-US" smtClean="0"/>
+              <a:rPr lang="en-US"/>
               <a:t>Click to edit Master title style</a:t>
             </a:r>
             <a:endParaRPr lang="en-US" dirty="0"/>
@@ -3290,35 +3295,35 @@
           <a:p>
             <a:pPr lvl="0"/>
             <a:r>
-              <a:rPr lang="en-US" smtClean="0"/>
+              <a:rPr lang="en-US"/>
               <a:t>Edit Master text styles</a:t>
             </a:r>
           </a:p>
           <a:p>
             <a:pPr lvl="1"/>
             <a:r>
-              <a:rPr lang="en-US" smtClean="0"/>
+              <a:rPr lang="en-US"/>
               <a:t>Second level</a:t>
             </a:r>
           </a:p>
           <a:p>
             <a:pPr lvl="2"/>
             <a:r>
-              <a:rPr lang="en-US" smtClean="0"/>
+              <a:rPr lang="en-US"/>
               <a:t>Third level</a:t>
             </a:r>
           </a:p>
           <a:p>
             <a:pPr lvl="3"/>
             <a:r>
-              <a:rPr lang="en-US" smtClean="0"/>
+              <a:rPr lang="en-US"/>
               <a:t>Fourth level</a:t>
             </a:r>
           </a:p>
           <a:p>
             <a:pPr lvl="4"/>
             <a:r>
-              <a:rPr lang="en-US" smtClean="0"/>
+              <a:rPr lang="en-US"/>
               <a:t>Fifth level</a:t>
             </a:r>
             <a:endParaRPr lang="en-US" dirty="0"/>
@@ -3440,7 +3445,7 @@
           </a:lstStyle>
           <a:p>
             <a:r>
-              <a:rPr lang="en-US" smtClean="0"/>
+              <a:rPr lang="en-US"/>
               <a:t>Click to edit Master title style</a:t>
             </a:r>
             <a:endParaRPr lang="en-US" dirty="0"/>
@@ -3561,7 +3566,7 @@
           <a:p>
             <a:pPr lvl="0"/>
             <a:r>
-              <a:rPr lang="en-US" smtClean="0"/>
+              <a:rPr lang="en-US"/>
               <a:t>Edit Master text styles</a:t>
             </a:r>
           </a:p>
@@ -3673,7 +3678,7 @@
           <a:lstStyle/>
           <a:p>
             <a:r>
-              <a:rPr lang="en-US" smtClean="0"/>
+              <a:rPr lang="en-US"/>
               <a:t>Click to edit Master title style</a:t>
             </a:r>
             <a:endParaRPr lang="en-US" dirty="0"/>
@@ -3732,35 +3737,35 @@
           <a:p>
             <a:pPr lvl="0"/>
             <a:r>
-              <a:rPr lang="en-US" smtClean="0"/>
+              <a:rPr lang="en-US"/>
               <a:t>Edit Master text styles</a:t>
             </a:r>
           </a:p>
           <a:p>
             <a:pPr lvl="1"/>
             <a:r>
-              <a:rPr lang="en-US" smtClean="0"/>
+              <a:rPr lang="en-US"/>
               <a:t>Second level</a:t>
             </a:r>
           </a:p>
           <a:p>
             <a:pPr lvl="2"/>
             <a:r>
-              <a:rPr lang="en-US" smtClean="0"/>
+              <a:rPr lang="en-US"/>
               <a:t>Third level</a:t>
             </a:r>
           </a:p>
           <a:p>
             <a:pPr lvl="3"/>
             <a:r>
-              <a:rPr lang="en-US" smtClean="0"/>
+              <a:rPr lang="en-US"/>
               <a:t>Fourth level</a:t>
             </a:r>
           </a:p>
           <a:p>
             <a:pPr lvl="4"/>
             <a:r>
-              <a:rPr lang="en-US" smtClean="0"/>
+              <a:rPr lang="en-US"/>
               <a:t>Fifth level</a:t>
             </a:r>
             <a:endParaRPr lang="en-US" dirty="0"/>
@@ -3819,35 +3824,35 @@
           <a:p>
             <a:pPr lvl="0"/>
             <a:r>
-              <a:rPr lang="en-US" smtClean="0"/>
+              <a:rPr lang="en-US"/>
               <a:t>Edit Master text styles</a:t>
             </a:r>
           </a:p>
           <a:p>
             <a:pPr lvl="1"/>
             <a:r>
-              <a:rPr lang="en-US" smtClean="0"/>
+              <a:rPr lang="en-US"/>
               <a:t>Second level</a:t>
             </a:r>
           </a:p>
           <a:p>
             <a:pPr lvl="2"/>
             <a:r>
-              <a:rPr lang="en-US" smtClean="0"/>
+              <a:rPr lang="en-US"/>
               <a:t>Third level</a:t>
             </a:r>
           </a:p>
           <a:p>
             <a:pPr lvl="3"/>
             <a:r>
-              <a:rPr lang="en-US" smtClean="0"/>
+              <a:rPr lang="en-US"/>
               <a:t>Fourth level</a:t>
             </a:r>
           </a:p>
           <a:p>
             <a:pPr lvl="4"/>
             <a:r>
-              <a:rPr lang="en-US" smtClean="0"/>
+              <a:rPr lang="en-US"/>
               <a:t>Fifth level</a:t>
             </a:r>
             <a:endParaRPr lang="en-US" dirty="0"/>
@@ -3964,7 +3969,7 @@
           </a:lstStyle>
           <a:p>
             <a:r>
-              <a:rPr lang="en-US" smtClean="0"/>
+              <a:rPr lang="en-US"/>
               <a:t>Click to edit Master title style</a:t>
             </a:r>
             <a:endParaRPr lang="en-US" dirty="0"/>
@@ -4039,7 +4044,7 @@
           <a:p>
             <a:pPr lvl="0"/>
             <a:r>
-              <a:rPr lang="en-US" smtClean="0"/>
+              <a:rPr lang="en-US"/>
               <a:t>Edit Master text styles</a:t>
             </a:r>
           </a:p>
@@ -4097,35 +4102,35 @@
           <a:p>
             <a:pPr lvl="0"/>
             <a:r>
-              <a:rPr lang="en-US" smtClean="0"/>
+              <a:rPr lang="en-US"/>
               <a:t>Edit Master text styles</a:t>
             </a:r>
           </a:p>
           <a:p>
             <a:pPr lvl="1"/>
             <a:r>
-              <a:rPr lang="en-US" smtClean="0"/>
+              <a:rPr lang="en-US"/>
               <a:t>Second level</a:t>
             </a:r>
           </a:p>
           <a:p>
             <a:pPr lvl="2"/>
             <a:r>
-              <a:rPr lang="en-US" smtClean="0"/>
+              <a:rPr lang="en-US"/>
               <a:t>Third level</a:t>
             </a:r>
           </a:p>
           <a:p>
             <a:pPr lvl="3"/>
             <a:r>
-              <a:rPr lang="en-US" smtClean="0"/>
+              <a:rPr lang="en-US"/>
               <a:t>Fourth level</a:t>
             </a:r>
           </a:p>
           <a:p>
             <a:pPr lvl="4"/>
             <a:r>
-              <a:rPr lang="en-US" smtClean="0"/>
+              <a:rPr lang="en-US"/>
               <a:t>Fifth level</a:t>
             </a:r>
             <a:endParaRPr lang="en-US" dirty="0"/>
@@ -4200,7 +4205,7 @@
           <a:p>
             <a:pPr lvl="0"/>
             <a:r>
-              <a:rPr lang="en-US" smtClean="0"/>
+              <a:rPr lang="en-US"/>
               <a:t>Edit Master text styles</a:t>
             </a:r>
           </a:p>
@@ -4258,35 +4263,35 @@
           <a:p>
             <a:pPr lvl="0"/>
             <a:r>
-              <a:rPr lang="en-US" smtClean="0"/>
+              <a:rPr lang="en-US"/>
               <a:t>Edit Master text styles</a:t>
             </a:r>
           </a:p>
           <a:p>
             <a:pPr lvl="1"/>
             <a:r>
-              <a:rPr lang="en-US" smtClean="0"/>
+              <a:rPr lang="en-US"/>
               <a:t>Second level</a:t>
             </a:r>
           </a:p>
           <a:p>
             <a:pPr lvl="2"/>
             <a:r>
-              <a:rPr lang="en-US" smtClean="0"/>
+              <a:rPr lang="en-US"/>
               <a:t>Third level</a:t>
             </a:r>
           </a:p>
           <a:p>
             <a:pPr lvl="3"/>
             <a:r>
-              <a:rPr lang="en-US" smtClean="0"/>
+              <a:rPr lang="en-US"/>
               <a:t>Fourth level</a:t>
             </a:r>
           </a:p>
           <a:p>
             <a:pPr lvl="4"/>
             <a:r>
-              <a:rPr lang="en-US" smtClean="0"/>
+              <a:rPr lang="en-US"/>
               <a:t>Fifth level</a:t>
             </a:r>
             <a:endParaRPr lang="en-US" dirty="0"/>
@@ -4399,7 +4404,7 @@
           <a:lstStyle/>
           <a:p>
             <a:r>
-              <a:rPr lang="en-US" smtClean="0"/>
+              <a:rPr lang="en-US"/>
               <a:t>Click to edit Master title style</a:t>
             </a:r>
             <a:endParaRPr lang="en-US" dirty="0"/>
@@ -4611,7 +4616,7 @@
           </a:lstStyle>
           <a:p>
             <a:r>
-              <a:rPr lang="en-US" smtClean="0"/>
+              <a:rPr lang="en-US"/>
               <a:t>Click to edit Master title style</a:t>
             </a:r>
             <a:endParaRPr lang="en-US" dirty="0"/>
@@ -4670,35 +4675,35 @@
           <a:p>
             <a:pPr lvl="0"/>
             <a:r>
-              <a:rPr lang="en-US" smtClean="0"/>
+              <a:rPr lang="en-US"/>
               <a:t>Edit Master text styles</a:t>
             </a:r>
           </a:p>
           <a:p>
             <a:pPr lvl="1"/>
             <a:r>
-              <a:rPr lang="en-US" smtClean="0"/>
+              <a:rPr lang="en-US"/>
               <a:t>Second level</a:t>
             </a:r>
           </a:p>
           <a:p>
             <a:pPr lvl="2"/>
             <a:r>
-              <a:rPr lang="en-US" smtClean="0"/>
+              <a:rPr lang="en-US"/>
               <a:t>Third level</a:t>
             </a:r>
           </a:p>
           <a:p>
             <a:pPr lvl="3"/>
             <a:r>
-              <a:rPr lang="en-US" smtClean="0"/>
+              <a:rPr lang="en-US"/>
               <a:t>Fourth level</a:t>
             </a:r>
           </a:p>
           <a:p>
             <a:pPr lvl="4"/>
             <a:r>
-              <a:rPr lang="en-US" smtClean="0"/>
+              <a:rPr lang="en-US"/>
               <a:t>Fifth level</a:t>
             </a:r>
             <a:endParaRPr lang="en-US" dirty="0"/>
@@ -4764,7 +4769,7 @@
           <a:p>
             <a:pPr lvl="0"/>
             <a:r>
-              <a:rPr lang="en-US" smtClean="0"/>
+              <a:rPr lang="en-US"/>
               <a:t>Edit Master text styles</a:t>
             </a:r>
           </a:p>
@@ -4887,7 +4892,7 @@
           </a:lstStyle>
           <a:p>
             <a:r>
-              <a:rPr lang="en-US" smtClean="0"/>
+              <a:rPr lang="en-US"/>
               <a:t>Click to edit Master title style</a:t>
             </a:r>
             <a:endParaRPr lang="en-US" dirty="0"/>
@@ -4966,10 +4971,9 @@
           </a:lstStyle>
           <a:p>
             <a:r>
-              <a:rPr lang="en-US" smtClean="0"/>
+              <a:rPr lang="en-US" dirty="0"/>
               <a:t>Click icon to add picture</a:t>
             </a:r>
-            <a:endParaRPr lang="en-US" dirty="0"/>
           </a:p>
         </p:txBody>
       </p:sp>
@@ -5034,7 +5038,7 @@
           <a:p>
             <a:pPr lvl="0"/>
             <a:r>
-              <a:rPr lang="en-US" smtClean="0"/>
+              <a:rPr lang="en-US"/>
               <a:t>Edit Master text styles</a:t>
             </a:r>
           </a:p>
@@ -5376,7 +5380,7 @@
           <a:lstStyle/>
           <a:p>
             <a:r>
-              <a:rPr lang="en-US" smtClean="0"/>
+              <a:rPr lang="en-US"/>
               <a:t>Click to edit Master title style</a:t>
             </a:r>
             <a:endParaRPr lang="en-US" dirty="0"/>
@@ -5410,35 +5414,35 @@
           <a:p>
             <a:pPr lvl="0"/>
             <a:r>
-              <a:rPr lang="en-US" smtClean="0"/>
+              <a:rPr lang="en-US"/>
               <a:t>Edit Master text styles</a:t>
             </a:r>
           </a:p>
           <a:p>
             <a:pPr lvl="1"/>
             <a:r>
-              <a:rPr lang="en-US" smtClean="0"/>
+              <a:rPr lang="en-US"/>
               <a:t>Second level</a:t>
             </a:r>
           </a:p>
           <a:p>
             <a:pPr lvl="2"/>
             <a:r>
-              <a:rPr lang="en-US" smtClean="0"/>
+              <a:rPr lang="en-US"/>
               <a:t>Third level</a:t>
             </a:r>
           </a:p>
           <a:p>
             <a:pPr lvl="3"/>
             <a:r>
-              <a:rPr lang="en-US" smtClean="0"/>
+              <a:rPr lang="en-US"/>
               <a:t>Fourth level</a:t>
             </a:r>
           </a:p>
           <a:p>
             <a:pPr lvl="4"/>
             <a:r>
-              <a:rPr lang="en-US" smtClean="0"/>
+              <a:rPr lang="en-US"/>
               <a:t>Fifth level</a:t>
             </a:r>
             <a:endParaRPr lang="en-US" dirty="0"/>
@@ -6026,7 +6030,7 @@
           <a:lstStyle/>
           <a:p>
             <a:r>
-              <a:rPr lang="sr-Latn-RS" dirty="0" smtClean="0"/>
+              <a:rPr lang="sr-Latn-RS" dirty="0"/>
               <a:t>IS građevinske firme</a:t>
             </a:r>
             <a:endParaRPr lang="en-US" dirty="0"/>
@@ -6050,18 +6054,33 @@
           </a:xfrm>
         </p:spPr>
         <p:txBody>
-          <a:bodyPr/>
-          <a:lstStyle/>
-          <a:p>
-            <a:r>
-              <a:rPr lang="sr-Latn-RS" dirty="0" smtClean="0"/>
+          <a:bodyPr>
+            <a:normAutofit fontScale="55000" lnSpcReduction="20000"/>
+          </a:bodyPr>
+          <a:lstStyle/>
+          <a:p>
+            <a:r>
+              <a:rPr lang="sr-Latn-RS" dirty="0"/>
               <a:t>Matematički fakultet</a:t>
             </a:r>
           </a:p>
           <a:p>
             <a:r>
-              <a:rPr lang="sr-Latn-RS" dirty="0" smtClean="0"/>
+              <a:rPr lang="sr-Latn-RS" dirty="0"/>
               <a:t>Informacioni sistemi</a:t>
+            </a:r>
+          </a:p>
+          <a:p>
+            <a:endParaRPr lang="sr-Latn-RS" dirty="0"/>
+          </a:p>
+          <a:p>
+            <a:r>
+              <a:rPr lang="sr-Latn-RS" dirty="0"/>
+              <a:t>Mentor: profesor Saša </a:t>
+            </a:r>
+            <a:r>
+              <a:rPr lang="sr-Latn-RS" dirty="0" err="1"/>
+              <a:t>Malkov</a:t>
             </a:r>
             <a:endParaRPr lang="en-US" dirty="0"/>
           </a:p>
@@ -6090,31 +6109,31 @@
           <a:lstStyle/>
           <a:p>
             <a:r>
-              <a:rPr lang="sr-Latn-RS" dirty="0" smtClean="0"/>
+              <a:rPr lang="sr-Latn-RS" dirty="0"/>
               <a:t>Marko Čupić</a:t>
             </a:r>
           </a:p>
           <a:p>
             <a:r>
-              <a:rPr lang="sr-Latn-RS" dirty="0" smtClean="0"/>
+              <a:rPr lang="sr-Latn-RS" dirty="0"/>
               <a:t>Predrag Dimitrijević</a:t>
             </a:r>
           </a:p>
           <a:p>
             <a:r>
-              <a:rPr lang="sr-Latn-RS" dirty="0" smtClean="0"/>
+              <a:rPr lang="sr-Latn-RS" dirty="0"/>
               <a:t>Saša Bukurov</a:t>
             </a:r>
           </a:p>
           <a:p>
             <a:r>
-              <a:rPr lang="sr-Latn-RS" dirty="0" smtClean="0"/>
+              <a:rPr lang="sr-Latn-RS" dirty="0"/>
               <a:t>Vanja Cvetković</a:t>
             </a:r>
           </a:p>
           <a:p>
             <a:r>
-              <a:rPr lang="sr-Latn-RS" dirty="0" smtClean="0"/>
+              <a:rPr lang="sr-Latn-RS" dirty="0"/>
               <a:t>Đuro Nenadović</a:t>
             </a:r>
             <a:endParaRPr lang="en-US" dirty="0"/>
@@ -6131,6 +6150,390 @@
   <p:clrMapOvr>
     <a:masterClrMapping/>
   </p:clrMapOvr>
+  <p:transition spd="slow">
+    <p:push dir="u"/>
+  </p:transition>
+</p:sld>
+</file>
+
+<file path=ppt/slides/slide10.xml><?xml version="1.0" encoding="utf-8"?>
+<p:sld xmlns:a="http://schemas.openxmlformats.org/drawingml/2006/main" xmlns:r="http://schemas.openxmlformats.org/officeDocument/2006/relationships" xmlns:p="http://schemas.openxmlformats.org/presentationml/2006/main">
+  <p:cSld>
+    <p:spTree>
+      <p:nvGrpSpPr>
+        <p:cNvPr id="1" name=""/>
+        <p:cNvGrpSpPr/>
+        <p:nvPr/>
+      </p:nvGrpSpPr>
+      <p:grpSpPr>
+        <a:xfrm>
+          <a:off x="0" y="0"/>
+          <a:ext cx="0" cy="0"/>
+          <a:chOff x="0" y="0"/>
+          <a:chExt cx="0" cy="0"/>
+        </a:xfrm>
+      </p:grpSpPr>
+      <p:pic>
+        <p:nvPicPr>
+          <p:cNvPr id="3" name="Picture 2"/>
+          <p:cNvPicPr>
+            <a:picLocks noChangeAspect="1"/>
+          </p:cNvPicPr>
+          <p:nvPr/>
+        </p:nvPicPr>
+        <p:blipFill>
+          <a:blip r:embed="rId2"/>
+          <a:stretch>
+            <a:fillRect/>
+          </a:stretch>
+        </p:blipFill>
+        <p:spPr>
+          <a:xfrm>
+            <a:off x="861392" y="1334305"/>
+            <a:ext cx="9422296" cy="5258534"/>
+          </a:xfrm>
+          <a:prstGeom prst="rect">
+            <a:avLst/>
+          </a:prstGeom>
+        </p:spPr>
+      </p:pic>
+      <p:sp>
+        <p:nvSpPr>
+          <p:cNvPr id="4" name="TextBox 3"/>
+          <p:cNvSpPr txBox="1"/>
+          <p:nvPr/>
+        </p:nvSpPr>
+        <p:spPr>
+          <a:xfrm>
+            <a:off x="861392" y="755374"/>
+            <a:ext cx="8057321" cy="369332"/>
+          </a:xfrm>
+          <a:prstGeom prst="rect">
+            <a:avLst/>
+          </a:prstGeom>
+          <a:noFill/>
+        </p:spPr>
+        <p:txBody>
+          <a:bodyPr wrap="square" rtlCol="0">
+            <a:spAutoFit/>
+          </a:bodyPr>
+          <a:lstStyle/>
+          <a:p>
+            <a:r>
+              <a:rPr lang="sr-Latn-RS" dirty="0"/>
+              <a:t>Dijagram baze</a:t>
+            </a:r>
+          </a:p>
+        </p:txBody>
+      </p:sp>
+    </p:spTree>
+    <p:extLst>
+      <p:ext uri="{BB962C8B-B14F-4D97-AF65-F5344CB8AC3E}">
+        <p14:creationId xmlns:p14="http://schemas.microsoft.com/office/powerpoint/2010/main" val="1044691825"/>
+      </p:ext>
+    </p:extLst>
+  </p:cSld>
+  <p:clrMapOvr>
+    <a:masterClrMapping/>
+  </p:clrMapOvr>
+  <p:transition spd="slow">
+    <p:push dir="u"/>
+  </p:transition>
+</p:sld>
+</file>
+
+<file path=ppt/slides/slide11.xml><?xml version="1.0" encoding="utf-8"?>
+<p:sld xmlns:a="http://schemas.openxmlformats.org/drawingml/2006/main" xmlns:r="http://schemas.openxmlformats.org/officeDocument/2006/relationships" xmlns:p="http://schemas.openxmlformats.org/presentationml/2006/main">
+  <p:cSld>
+    <p:spTree>
+      <p:nvGrpSpPr>
+        <p:cNvPr id="1" name=""/>
+        <p:cNvGrpSpPr/>
+        <p:nvPr/>
+      </p:nvGrpSpPr>
+      <p:grpSpPr>
+        <a:xfrm>
+          <a:off x="0" y="0"/>
+          <a:ext cx="0" cy="0"/>
+          <a:chOff x="0" y="0"/>
+          <a:chExt cx="0" cy="0"/>
+        </a:xfrm>
+      </p:grpSpPr>
+      <p:sp>
+        <p:nvSpPr>
+          <p:cNvPr id="2" name="Title 1"/>
+          <p:cNvSpPr>
+            <a:spLocks noGrp="1"/>
+          </p:cNvSpPr>
+          <p:nvPr>
+            <p:ph type="title"/>
+          </p:nvPr>
+        </p:nvSpPr>
+        <p:spPr>
+          <a:xfrm>
+            <a:off x="646111" y="2809462"/>
+            <a:ext cx="9404723" cy="927652"/>
+          </a:xfrm>
+        </p:spPr>
+        <p:txBody>
+          <a:bodyPr/>
+          <a:lstStyle/>
+          <a:p>
+            <a:r>
+              <a:rPr lang="sr-Latn-RS" dirty="0"/>
+              <a:t>Primeri, </a:t>
+            </a:r>
+            <a:r>
+              <a:rPr lang="sr-Latn-RS" dirty="0" err="1"/>
+              <a:t>sql</a:t>
+            </a:r>
+            <a:r>
+              <a:rPr lang="sr-Latn-RS" dirty="0"/>
+              <a:t> kodovi, dijagrami…</a:t>
+            </a:r>
+          </a:p>
+        </p:txBody>
+      </p:sp>
+    </p:spTree>
+    <p:extLst>
+      <p:ext uri="{BB962C8B-B14F-4D97-AF65-F5344CB8AC3E}">
+        <p14:creationId xmlns:p14="http://schemas.microsoft.com/office/powerpoint/2010/main" val="2812638147"/>
+      </p:ext>
+    </p:extLst>
+  </p:cSld>
+  <p:clrMapOvr>
+    <a:masterClrMapping/>
+  </p:clrMapOvr>
+  <p:transition spd="slow">
+    <p:push dir="u"/>
+  </p:transition>
+</p:sld>
+</file>
+
+<file path=ppt/slides/slide12.xml><?xml version="1.0" encoding="utf-8"?>
+<p:sld xmlns:a="http://schemas.openxmlformats.org/drawingml/2006/main" xmlns:r="http://schemas.openxmlformats.org/officeDocument/2006/relationships" xmlns:p="http://schemas.openxmlformats.org/presentationml/2006/main">
+  <p:cSld>
+    <p:spTree>
+      <p:nvGrpSpPr>
+        <p:cNvPr id="1" name=""/>
+        <p:cNvGrpSpPr/>
+        <p:nvPr/>
+      </p:nvGrpSpPr>
+      <p:grpSpPr>
+        <a:xfrm>
+          <a:off x="0" y="0"/>
+          <a:ext cx="0" cy="0"/>
+          <a:chOff x="0" y="0"/>
+          <a:chExt cx="0" cy="0"/>
+        </a:xfrm>
+      </p:grpSpPr>
+      <p:sp>
+        <p:nvSpPr>
+          <p:cNvPr id="2" name="Title 1"/>
+          <p:cNvSpPr>
+            <a:spLocks noGrp="1"/>
+          </p:cNvSpPr>
+          <p:nvPr>
+            <p:ph type="title"/>
+          </p:nvPr>
+        </p:nvSpPr>
+        <p:spPr>
+          <a:xfrm>
+            <a:off x="646111" y="2809460"/>
+            <a:ext cx="9404723" cy="1272209"/>
+          </a:xfrm>
+        </p:spPr>
+        <p:txBody>
+          <a:bodyPr/>
+          <a:lstStyle/>
+          <a:p>
+            <a:r>
+              <a:rPr lang="sr-Latn-RS" dirty="0"/>
+              <a:t>Pitanja (eventualno i odgovori </a:t>
+            </a:r>
+            <a:r>
+              <a:rPr lang="sr-Latn-RS" dirty="0">
+                <a:sym typeface="Wingdings" panose="05000000000000000000" pitchFamily="2" charset="2"/>
+              </a:rPr>
+              <a:t></a:t>
+            </a:r>
+            <a:r>
+              <a:rPr lang="sr-Latn-RS" dirty="0"/>
+              <a:t>)</a:t>
+            </a:r>
+          </a:p>
+        </p:txBody>
+      </p:sp>
+    </p:spTree>
+    <p:extLst>
+      <p:ext uri="{BB962C8B-B14F-4D97-AF65-F5344CB8AC3E}">
+        <p14:creationId xmlns:p14="http://schemas.microsoft.com/office/powerpoint/2010/main" val="4021441645"/>
+      </p:ext>
+    </p:extLst>
+  </p:cSld>
+  <p:clrMapOvr>
+    <a:masterClrMapping/>
+  </p:clrMapOvr>
+  <p:transition spd="slow">
+    <p:push dir="u"/>
+  </p:transition>
+</p:sld>
+</file>
+
+<file path=ppt/slides/slide13.xml><?xml version="1.0" encoding="utf-8"?>
+<p:sld xmlns:a="http://schemas.openxmlformats.org/drawingml/2006/main" xmlns:r="http://schemas.openxmlformats.org/officeDocument/2006/relationships" xmlns:p="http://schemas.openxmlformats.org/presentationml/2006/main">
+  <p:cSld>
+    <p:spTree>
+      <p:nvGrpSpPr>
+        <p:cNvPr id="1" name=""/>
+        <p:cNvGrpSpPr/>
+        <p:nvPr/>
+      </p:nvGrpSpPr>
+      <p:grpSpPr>
+        <a:xfrm>
+          <a:off x="0" y="0"/>
+          <a:ext cx="0" cy="0"/>
+          <a:chOff x="0" y="0"/>
+          <a:chExt cx="0" cy="0"/>
+        </a:xfrm>
+      </p:grpSpPr>
+      <p:sp>
+        <p:nvSpPr>
+          <p:cNvPr id="2" name="TextBox 1"/>
+          <p:cNvSpPr txBox="1"/>
+          <p:nvPr/>
+        </p:nvSpPr>
+        <p:spPr>
+          <a:xfrm>
+            <a:off x="3286537" y="3101008"/>
+            <a:ext cx="7885044" cy="769441"/>
+          </a:xfrm>
+          <a:prstGeom prst="rect">
+            <a:avLst/>
+          </a:prstGeom>
+          <a:noFill/>
+        </p:spPr>
+        <p:txBody>
+          <a:bodyPr wrap="square" rtlCol="0">
+            <a:spAutoFit/>
+          </a:bodyPr>
+          <a:lstStyle/>
+          <a:p>
+            <a:r>
+              <a:rPr lang="sr-Latn-RS" sz="4400" dirty="0">
+                <a:latin typeface="Eras Bold ITC" panose="020B0907030504020204" pitchFamily="34" charset="0"/>
+              </a:rPr>
+              <a:t>Hvala na pažnji</a:t>
+            </a:r>
+            <a:r>
+              <a:rPr lang="sr-Cyrl-RS" sz="4400" dirty="0"/>
+              <a:t>!</a:t>
+            </a:r>
+            <a:endParaRPr lang="sr-Latn-RS" sz="4400" dirty="0">
+              <a:latin typeface="Eras Bold ITC" panose="020B0907030504020204" pitchFamily="34" charset="0"/>
+            </a:endParaRPr>
+          </a:p>
+        </p:txBody>
+      </p:sp>
+    </p:spTree>
+    <p:extLst>
+      <p:ext uri="{BB962C8B-B14F-4D97-AF65-F5344CB8AC3E}">
+        <p14:creationId xmlns:p14="http://schemas.microsoft.com/office/powerpoint/2010/main" val="1975611280"/>
+      </p:ext>
+    </p:extLst>
+  </p:cSld>
+  <p:clrMapOvr>
+    <a:masterClrMapping/>
+  </p:clrMapOvr>
+  <p:transition spd="slow">
+    <p:push dir="u"/>
+  </p:transition>
+  <p:timing>
+    <p:tnLst>
+      <p:par>
+        <p:cTn id="1" dur="indefinite" restart="never" nodeType="tmRoot">
+          <p:childTnLst>
+            <p:seq concurrent="1" nextAc="seek">
+              <p:cTn id="2" dur="indefinite" nodeType="mainSeq">
+                <p:childTnLst>
+                  <p:par>
+                    <p:cTn id="3" fill="hold">
+                      <p:stCondLst>
+                        <p:cond delay="indefinite"/>
+                      </p:stCondLst>
+                      <p:childTnLst>
+                        <p:par>
+                          <p:cTn id="4" fill="hold">
+                            <p:stCondLst>
+                              <p:cond delay="0"/>
+                            </p:stCondLst>
+                            <p:childTnLst>
+                              <p:par>
+                                <p:cTn id="5" presetID="6" presetClass="entr" presetSubtype="16" fill="hold" grpId="0" nodeType="clickEffect">
+                                  <p:stCondLst>
+                                    <p:cond delay="0"/>
+                                  </p:stCondLst>
+                                  <p:childTnLst>
+                                    <p:set>
+                                      <p:cBhvr>
+                                        <p:cTn id="6" dur="1" fill="hold">
+                                          <p:stCondLst>
+                                            <p:cond delay="0"/>
+                                          </p:stCondLst>
+                                        </p:cTn>
+                                        <p:tgtEl>
+                                          <p:spTgt spid="2"/>
+                                        </p:tgtEl>
+                                        <p:attrNameLst>
+                                          <p:attrName>style.visibility</p:attrName>
+                                        </p:attrNameLst>
+                                      </p:cBhvr>
+                                      <p:to>
+                                        <p:strVal val="visible"/>
+                                      </p:to>
+                                    </p:set>
+                                    <p:animEffect transition="in" filter="circle(in)">
+                                      <p:cBhvr>
+                                        <p:cTn id="7" dur="2000"/>
+                                        <p:tgtEl>
+                                          <p:spTgt spid="2"/>
+                                        </p:tgtEl>
+                                      </p:cBhvr>
+                                    </p:animEffect>
+                                  </p:childTnLst>
+                                </p:cTn>
+                              </p:par>
+                            </p:childTnLst>
+                          </p:cTn>
+                        </p:par>
+                      </p:childTnLst>
+                    </p:cTn>
+                  </p:par>
+                </p:childTnLst>
+              </p:cTn>
+              <p:prevCondLst>
+                <p:cond evt="onPrev" delay="0">
+                  <p:tgtEl>
+                    <p:sldTgt/>
+                  </p:tgtEl>
+                </p:cond>
+              </p:prevCondLst>
+              <p:nextCondLst>
+                <p:cond evt="onNext" delay="0">
+                  <p:tgtEl>
+                    <p:sldTgt/>
+                  </p:tgtEl>
+                </p:cond>
+              </p:nextCondLst>
+            </p:seq>
+          </p:childTnLst>
+        </p:cTn>
+      </p:par>
+    </p:tnLst>
+    <p:bldLst>
+      <p:bldP spid="2" grpId="0"/>
+    </p:bldLst>
+  </p:timing>
 </p:sld>
 </file>
 
@@ -6172,7 +6575,7 @@
           <a:lstStyle/>
           <a:p>
             <a:r>
-              <a:rPr lang="sr-Latn-RS" dirty="0" smtClean="0"/>
+              <a:rPr lang="sr-Latn-RS" dirty="0"/>
               <a:t>Uvod</a:t>
             </a:r>
             <a:endParaRPr lang="en-US" dirty="0"/>
@@ -6200,19 +6603,43 @@
           <a:lstStyle/>
           <a:p>
             <a:r>
-              <a:rPr lang="sr-Latn-RS" dirty="0" smtClean="0"/>
+              <a:rPr lang="sr-Latn-RS" dirty="0">
+                <a:effectLst>
+                  <a:outerShdw blurRad="38100" dist="38100" dir="2700000" algn="tl">
+                    <a:srgbClr val="000000">
+                      <a:alpha val="43137"/>
+                    </a:srgbClr>
+                  </a:outerShdw>
+                </a:effectLst>
+              </a:rPr>
               <a:t>Dva tipa projekta: poručen i samostalan</a:t>
             </a:r>
           </a:p>
           <a:p>
             <a:r>
-              <a:rPr lang="sr-Latn-RS" dirty="0" smtClean="0"/>
+              <a:rPr lang="sr-Latn-RS" dirty="0">
+                <a:effectLst>
+                  <a:outerShdw blurRad="38100" dist="38100" dir="2700000" algn="tl">
+                    <a:srgbClr val="000000">
+                      <a:alpha val="43137"/>
+                    </a:srgbClr>
+                  </a:outerShdw>
+                </a:effectLst>
+              </a:rPr>
               <a:t>Delatnost: Planiranje, nabavka, tok izgradnje, prodaja</a:t>
             </a:r>
           </a:p>
           <a:p>
             <a:r>
-              <a:rPr lang="sr-Latn-RS" dirty="0" smtClean="0"/>
+              <a:rPr lang="sr-Latn-RS" dirty="0">
+                <a:effectLst>
+                  <a:outerShdw blurRad="38100" dist="38100" dir="2700000" algn="tl">
+                    <a:srgbClr val="000000">
+                      <a:alpha val="43137"/>
+                    </a:srgbClr>
+                  </a:outerShdw>
+                </a:effectLst>
+              </a:rPr>
               <a:t>Slučajevi upotrebe: (U nastavku...)</a:t>
             </a:r>
           </a:p>
@@ -6228,6 +6655,9 @@
   <p:clrMapOvr>
     <a:masterClrMapping/>
   </p:clrMapOvr>
+  <p:transition spd="slow">
+    <p:push dir="u"/>
+  </p:transition>
 </p:sld>
 </file>
 
@@ -6264,7 +6694,7 @@
           <a:lstStyle/>
           <a:p>
             <a:r>
-              <a:rPr lang="sr-Latn-RS" dirty="0" smtClean="0"/>
+              <a:rPr lang="sr-Latn-RS" dirty="0"/>
               <a:t>Planiranje projekta</a:t>
             </a:r>
             <a:endParaRPr lang="en-US" dirty="0"/>
@@ -6292,24 +6722,20 @@
           <a:lstStyle/>
           <a:p>
             <a:r>
-              <a:rPr lang="sr-Latn-RS" dirty="0" smtClean="0"/>
+              <a:rPr lang="sr-Latn-RS" dirty="0"/>
               <a:t>Okviri projekta: Građevinski inženjer postavlja okvire projekta</a:t>
             </a:r>
           </a:p>
           <a:p>
             <a:r>
-              <a:rPr lang="sr-Latn-RS" dirty="0" smtClean="0"/>
+              <a:rPr lang="sr-Latn-RS" dirty="0"/>
               <a:t>Projektovanje pbjekta: Arhitekta projektuje objekat na osnovu plana inženjera</a:t>
             </a:r>
           </a:p>
           <a:p>
             <a:r>
               <a:rPr lang="sr-Latn-RS" dirty="0"/>
-              <a:t>Finansijska analiza </a:t>
-            </a:r>
-            <a:r>
-              <a:rPr lang="sr-Latn-RS" dirty="0" smtClean="0"/>
-              <a:t>projekta: Ekonomista vrši finansijsku analizu</a:t>
+              <a:t>Finansijska analiza projekta: Ekonomista vrši finansijsku analizu</a:t>
             </a:r>
             <a:endParaRPr lang="en-US" dirty="0"/>
           </a:p>
@@ -6359,6 +6785,9 @@
   <p:clrMapOvr>
     <a:masterClrMapping/>
   </p:clrMapOvr>
+  <p:transition spd="slow">
+    <p:push dir="u"/>
+  </p:transition>
 </p:sld>
 </file>
 
@@ -6386,66 +6815,735 @@
             <a:spLocks noGrp="1"/>
           </p:cNvSpPr>
           <p:nvPr>
-            <p:ph type="title"/>
-          </p:nvPr>
-        </p:nvSpPr>
-        <p:spPr/>
-        <p:txBody>
-          <a:bodyPr/>
-          <a:lstStyle/>
-          <a:p>
-            <a:endParaRPr lang="en-US"/>
-          </a:p>
-        </p:txBody>
-      </p:sp>
-      <p:sp>
-        <p:nvSpPr>
-          <p:cNvPr id="3" name="Content Placeholder 2"/>
-          <p:cNvSpPr>
-            <a:spLocks noGrp="1"/>
-          </p:cNvSpPr>
-          <p:nvPr>
-            <p:ph sz="half" idx="1"/>
-          </p:nvPr>
-        </p:nvSpPr>
-        <p:spPr/>
-        <p:txBody>
-          <a:bodyPr/>
-          <a:lstStyle/>
-          <a:p>
-            <a:endParaRPr lang="en-US"/>
-          </a:p>
-        </p:txBody>
-      </p:sp>
-      <p:sp>
-        <p:nvSpPr>
-          <p:cNvPr id="4" name="Content Placeholder 3"/>
-          <p:cNvSpPr>
-            <a:spLocks noGrp="1"/>
-          </p:cNvSpPr>
-          <p:nvPr>
-            <p:ph sz="half" idx="2"/>
-          </p:nvPr>
-        </p:nvSpPr>
-        <p:spPr/>
-        <p:txBody>
-          <a:bodyPr/>
-          <a:lstStyle/>
-          <a:p>
-            <a:endParaRPr lang="en-US"/>
+            <p:ph type="ctrTitle"/>
+          </p:nvPr>
+        </p:nvSpPr>
+        <p:spPr>
+          <a:xfrm>
+            <a:off x="1154955" y="1126434"/>
+            <a:ext cx="8825658" cy="2160105"/>
+          </a:xfrm>
+        </p:spPr>
+        <p:txBody>
+          <a:bodyPr/>
+          <a:lstStyle/>
+          <a:p>
+            <a:r>
+              <a:rPr lang="sr-Latn-RS" dirty="0"/>
+              <a:t>Unajmljivanje podizvođača</a:t>
+            </a:r>
+          </a:p>
+        </p:txBody>
+      </p:sp>
+      <p:sp>
+        <p:nvSpPr>
+          <p:cNvPr id="3" name="Subtitle 2"/>
+          <p:cNvSpPr>
+            <a:spLocks noGrp="1"/>
+          </p:cNvSpPr>
+          <p:nvPr>
+            <p:ph type="subTitle" idx="1"/>
+          </p:nvPr>
+        </p:nvSpPr>
+        <p:spPr>
+          <a:xfrm>
+            <a:off x="1154955" y="4028661"/>
+            <a:ext cx="8825658" cy="1908314"/>
+          </a:xfrm>
+        </p:spPr>
+        <p:txBody>
+          <a:bodyPr>
+            <a:normAutofit/>
+          </a:bodyPr>
+          <a:lstStyle/>
+          <a:p>
+            <a:pPr marL="342900" indent="-342900">
+              <a:buFont typeface="Wingdings" panose="05000000000000000000" pitchFamily="2" charset="2"/>
+              <a:buChar char="Ø"/>
+            </a:pPr>
+            <a:r>
+              <a:rPr lang="sr-Latn-RS" dirty="0"/>
+              <a:t>Oglašavanje radova za podizvođače: Direktor procenjuje potrebe za radovima</a:t>
+            </a:r>
+          </a:p>
+          <a:p>
+            <a:pPr marL="342900" indent="-342900">
+              <a:buFont typeface="Wingdings" panose="05000000000000000000" pitchFamily="2" charset="2"/>
+              <a:buChar char="Ø"/>
+            </a:pPr>
+            <a:r>
+              <a:rPr lang="sr-Latn-RS" dirty="0"/>
+              <a:t>Odabir potencijalnih podizvođača: Biraju se podizvođači</a:t>
+            </a:r>
+          </a:p>
+          <a:p>
+            <a:pPr marL="342900" indent="-342900">
+              <a:buFont typeface="Wingdings" panose="05000000000000000000" pitchFamily="2" charset="2"/>
+              <a:buChar char="Ø"/>
+            </a:pPr>
+            <a:r>
+              <a:rPr lang="sr-Latn-RS" dirty="0"/>
+              <a:t>Unos sklopljenih Ugovora: Direktor unosi podatke o ugovoru u bazu</a:t>
+            </a:r>
           </a:p>
         </p:txBody>
       </p:sp>
     </p:spTree>
     <p:extLst>
       <p:ext uri="{BB962C8B-B14F-4D97-AF65-F5344CB8AC3E}">
-        <p14:creationId xmlns:p14="http://schemas.microsoft.com/office/powerpoint/2010/main" val="961988208"/>
+        <p14:creationId xmlns:p14="http://schemas.microsoft.com/office/powerpoint/2010/main" val="991868750"/>
       </p:ext>
     </p:extLst>
   </p:cSld>
   <p:clrMapOvr>
     <a:masterClrMapping/>
   </p:clrMapOvr>
+  <p:transition spd="slow">
+    <p:push dir="u"/>
+  </p:transition>
+</p:sld>
+</file>
+
+<file path=ppt/slides/slide5.xml><?xml version="1.0" encoding="utf-8"?>
+<p:sld xmlns:a="http://schemas.openxmlformats.org/drawingml/2006/main" xmlns:r="http://schemas.openxmlformats.org/officeDocument/2006/relationships" xmlns:p="http://schemas.openxmlformats.org/presentationml/2006/main">
+  <p:cSld>
+    <p:spTree>
+      <p:nvGrpSpPr>
+        <p:cNvPr id="1" name=""/>
+        <p:cNvGrpSpPr/>
+        <p:nvPr/>
+      </p:nvGrpSpPr>
+      <p:grpSpPr>
+        <a:xfrm>
+          <a:off x="0" y="0"/>
+          <a:ext cx="0" cy="0"/>
+          <a:chOff x="0" y="0"/>
+          <a:chExt cx="0" cy="0"/>
+        </a:xfrm>
+      </p:grpSpPr>
+      <p:sp>
+        <p:nvSpPr>
+          <p:cNvPr id="2" name="Title 1"/>
+          <p:cNvSpPr>
+            <a:spLocks noGrp="1"/>
+          </p:cNvSpPr>
+          <p:nvPr>
+            <p:ph type="title"/>
+          </p:nvPr>
+        </p:nvSpPr>
+        <p:spPr/>
+        <p:txBody>
+          <a:bodyPr/>
+          <a:lstStyle/>
+          <a:p>
+            <a:r>
+              <a:rPr lang="sr-Latn-RS" dirty="0"/>
+              <a:t>Nabavka materijala</a:t>
+            </a:r>
+          </a:p>
+        </p:txBody>
+      </p:sp>
+      <p:sp>
+        <p:nvSpPr>
+          <p:cNvPr id="3" name="Content Placeholder 2"/>
+          <p:cNvSpPr>
+            <a:spLocks noGrp="1"/>
+          </p:cNvSpPr>
+          <p:nvPr>
+            <p:ph sz="half" idx="1"/>
+          </p:nvPr>
+        </p:nvSpPr>
+        <p:spPr>
+          <a:xfrm>
+            <a:off x="646112" y="2060575"/>
+            <a:ext cx="4853540" cy="4195763"/>
+          </a:xfrm>
+        </p:spPr>
+        <p:txBody>
+          <a:bodyPr/>
+          <a:lstStyle/>
+          <a:p>
+            <a:r>
+              <a:rPr lang="sr-Latn-RS" dirty="0"/>
+              <a:t>Provera materijala na stanju: procenjuje se da li je potrebna nabavka</a:t>
+            </a:r>
+          </a:p>
+          <a:p>
+            <a:r>
+              <a:rPr lang="sr-Latn-RS" dirty="0"/>
+              <a:t>Oglašavanje nabavke materijala: oglašava se nabavka</a:t>
+            </a:r>
+          </a:p>
+          <a:p>
+            <a:r>
+              <a:rPr lang="sr-Latn-RS" dirty="0"/>
+              <a:t>Izbor dobavljača materijala: vrši se izbor dobavljača</a:t>
+            </a:r>
+          </a:p>
+          <a:p>
+            <a:r>
+              <a:rPr lang="sr-Latn-RS" dirty="0"/>
+              <a:t>Predaja naloga za nabavku: ispunjavanje, predaja, obrada naloga</a:t>
+            </a:r>
+          </a:p>
+          <a:p>
+            <a:r>
+              <a:rPr lang="sr-Latn-RS" dirty="0"/>
+              <a:t>Prijem materijala: pregled materijala</a:t>
+            </a:r>
+          </a:p>
+          <a:p>
+            <a:r>
+              <a:rPr lang="sr-Latn-RS" dirty="0"/>
+              <a:t>Kupovina i isplata materijala: vrši se krajnja kupovina, isplata</a:t>
+            </a:r>
+          </a:p>
+        </p:txBody>
+      </p:sp>
+      <p:pic>
+        <p:nvPicPr>
+          <p:cNvPr id="5" name="Image6"/>
+          <p:cNvPicPr>
+            <a:picLocks noGrp="1"/>
+          </p:cNvPicPr>
+          <p:nvPr>
+            <p:ph sz="half" idx="2"/>
+          </p:nvPr>
+        </p:nvPicPr>
+        <p:blipFill>
+          <a:blip r:embed="rId2">
+            <a:lum/>
+            <a:alphaModFix/>
+          </a:blip>
+          <a:srcRect/>
+          <a:stretch>
+            <a:fillRect/>
+          </a:stretch>
+        </p:blipFill>
+        <p:spPr>
+          <a:xfrm>
+            <a:off x="5838618" y="2055813"/>
+            <a:ext cx="4537834" cy="4200525"/>
+          </a:xfrm>
+          <a:prstGeom prst="rect">
+            <a:avLst/>
+          </a:prstGeom>
+          <a:ln>
+            <a:noFill/>
+            <a:prstDash/>
+          </a:ln>
+        </p:spPr>
+      </p:pic>
+    </p:spTree>
+    <p:extLst>
+      <p:ext uri="{BB962C8B-B14F-4D97-AF65-F5344CB8AC3E}">
+        <p14:creationId xmlns:p14="http://schemas.microsoft.com/office/powerpoint/2010/main" val="3732496593"/>
+      </p:ext>
+    </p:extLst>
+  </p:cSld>
+  <p:clrMapOvr>
+    <a:masterClrMapping/>
+  </p:clrMapOvr>
+  <p:transition spd="slow">
+    <p:push dir="u"/>
+  </p:transition>
+</p:sld>
+</file>
+
+<file path=ppt/slides/slide6.xml><?xml version="1.0" encoding="utf-8"?>
+<p:sld xmlns:a="http://schemas.openxmlformats.org/drawingml/2006/main" xmlns:r="http://schemas.openxmlformats.org/officeDocument/2006/relationships" xmlns:p="http://schemas.openxmlformats.org/presentationml/2006/main">
+  <p:cSld>
+    <p:spTree>
+      <p:nvGrpSpPr>
+        <p:cNvPr id="1" name=""/>
+        <p:cNvGrpSpPr/>
+        <p:nvPr/>
+      </p:nvGrpSpPr>
+      <p:grpSpPr>
+        <a:xfrm>
+          <a:off x="0" y="0"/>
+          <a:ext cx="0" cy="0"/>
+          <a:chOff x="0" y="0"/>
+          <a:chExt cx="0" cy="0"/>
+        </a:xfrm>
+      </p:grpSpPr>
+      <p:sp>
+        <p:nvSpPr>
+          <p:cNvPr id="2" name="Title 1"/>
+          <p:cNvSpPr>
+            <a:spLocks noGrp="1"/>
+          </p:cNvSpPr>
+          <p:nvPr>
+            <p:ph type="title"/>
+          </p:nvPr>
+        </p:nvSpPr>
+        <p:spPr/>
+        <p:txBody>
+          <a:bodyPr/>
+          <a:lstStyle/>
+          <a:p>
+            <a:r>
+              <a:rPr lang="en-GB" dirty="0" err="1"/>
+              <a:t>Nabavka</a:t>
+            </a:r>
+            <a:r>
+              <a:rPr lang="en-GB" dirty="0"/>
+              <a:t> ma</a:t>
+            </a:r>
+            <a:r>
+              <a:rPr lang="sr-Latn-RS" dirty="0"/>
+              <a:t>š</a:t>
+            </a:r>
+            <a:r>
+              <a:rPr lang="en-GB" dirty="0" err="1"/>
+              <a:t>ina</a:t>
+            </a:r>
+            <a:endParaRPr lang="sr-Latn-RS" dirty="0"/>
+          </a:p>
+        </p:txBody>
+      </p:sp>
+      <p:sp>
+        <p:nvSpPr>
+          <p:cNvPr id="3" name="Content Placeholder 2"/>
+          <p:cNvSpPr>
+            <a:spLocks noGrp="1"/>
+          </p:cNvSpPr>
+          <p:nvPr>
+            <p:ph sz="half" idx="1"/>
+          </p:nvPr>
+        </p:nvSpPr>
+        <p:spPr/>
+        <p:txBody>
+          <a:bodyPr/>
+          <a:lstStyle/>
+          <a:p>
+            <a:r>
+              <a:rPr lang="sr-Latn-RS" dirty="0"/>
+              <a:t>Provera stanja mašina</a:t>
+            </a:r>
+          </a:p>
+          <a:p>
+            <a:r>
+              <a:rPr lang="sr-Latn-RS" dirty="0"/>
+              <a:t>Izbor dobavljača mašina</a:t>
+            </a:r>
+          </a:p>
+          <a:p>
+            <a:r>
+              <a:rPr lang="sr-Latn-RS" dirty="0"/>
+              <a:t>Ispunjavanje naloga za nabavku</a:t>
+            </a:r>
+          </a:p>
+          <a:p>
+            <a:r>
+              <a:rPr lang="sr-Latn-RS" dirty="0"/>
+              <a:t>Predaja naloga za nabavku</a:t>
+            </a:r>
+          </a:p>
+          <a:p>
+            <a:r>
+              <a:rPr lang="sr-Latn-RS" dirty="0"/>
+              <a:t>Prijem mašina</a:t>
+            </a:r>
+          </a:p>
+          <a:p>
+            <a:r>
+              <a:rPr lang="sr-Latn-RS" dirty="0"/>
+              <a:t>Kupovina mašina</a:t>
+            </a:r>
+          </a:p>
+        </p:txBody>
+      </p:sp>
+      <p:pic>
+        <p:nvPicPr>
+          <p:cNvPr id="5" name="Content Placeholder 4"/>
+          <p:cNvPicPr>
+            <a:picLocks noGrp="1" noChangeAspect="1"/>
+          </p:cNvPicPr>
+          <p:nvPr>
+            <p:ph sz="half" idx="2"/>
+          </p:nvPr>
+        </p:nvPicPr>
+        <p:blipFill>
+          <a:blip r:embed="rId2"/>
+          <a:stretch>
+            <a:fillRect/>
+          </a:stretch>
+        </p:blipFill>
+        <p:spPr>
+          <a:xfrm>
+            <a:off x="5499652" y="1853248"/>
+            <a:ext cx="4850296" cy="4403089"/>
+          </a:xfrm>
+        </p:spPr>
+      </p:pic>
+    </p:spTree>
+    <p:extLst>
+      <p:ext uri="{BB962C8B-B14F-4D97-AF65-F5344CB8AC3E}">
+        <p14:creationId xmlns:p14="http://schemas.microsoft.com/office/powerpoint/2010/main" val="2128324873"/>
+      </p:ext>
+    </p:extLst>
+  </p:cSld>
+  <p:clrMapOvr>
+    <a:masterClrMapping/>
+  </p:clrMapOvr>
+  <p:transition spd="slow">
+    <p:push dir="u"/>
+  </p:transition>
+</p:sld>
+</file>
+
+<file path=ppt/slides/slide7.xml><?xml version="1.0" encoding="utf-8"?>
+<p:sld xmlns:a="http://schemas.openxmlformats.org/drawingml/2006/main" xmlns:r="http://schemas.openxmlformats.org/officeDocument/2006/relationships" xmlns:p="http://schemas.openxmlformats.org/presentationml/2006/main">
+  <p:cSld>
+    <p:spTree>
+      <p:nvGrpSpPr>
+        <p:cNvPr id="1" name=""/>
+        <p:cNvGrpSpPr/>
+        <p:nvPr/>
+      </p:nvGrpSpPr>
+      <p:grpSpPr>
+        <a:xfrm>
+          <a:off x="0" y="0"/>
+          <a:ext cx="0" cy="0"/>
+          <a:chOff x="0" y="0"/>
+          <a:chExt cx="0" cy="0"/>
+        </a:xfrm>
+      </p:grpSpPr>
+      <p:sp>
+        <p:nvSpPr>
+          <p:cNvPr id="2" name="Title 1"/>
+          <p:cNvSpPr>
+            <a:spLocks noGrp="1"/>
+          </p:cNvSpPr>
+          <p:nvPr>
+            <p:ph type="ctrTitle"/>
+          </p:nvPr>
+        </p:nvSpPr>
+        <p:spPr>
+          <a:xfrm>
+            <a:off x="1154955" y="265043"/>
+            <a:ext cx="8825658" cy="1828800"/>
+          </a:xfrm>
+        </p:spPr>
+        <p:txBody>
+          <a:bodyPr/>
+          <a:lstStyle/>
+          <a:p>
+            <a:r>
+              <a:rPr lang="sr-Latn-RS" dirty="0"/>
+              <a:t>Dijagram stanja nabavke</a:t>
+            </a:r>
+          </a:p>
+        </p:txBody>
+      </p:sp>
+      <p:sp>
+        <p:nvSpPr>
+          <p:cNvPr id="3" name="Subtitle 2"/>
+          <p:cNvSpPr>
+            <a:spLocks noGrp="1"/>
+          </p:cNvSpPr>
+          <p:nvPr>
+            <p:ph type="subTitle" idx="1"/>
+          </p:nvPr>
+        </p:nvSpPr>
+        <p:spPr>
+          <a:xfrm>
+            <a:off x="1154955" y="2239617"/>
+            <a:ext cx="8825658" cy="4293705"/>
+          </a:xfrm>
+        </p:spPr>
+        <p:txBody>
+          <a:bodyPr/>
+          <a:lstStyle/>
+          <a:p>
+            <a:endParaRPr lang="sr-Latn-RS" dirty="0"/>
+          </a:p>
+        </p:txBody>
+      </p:sp>
+      <p:pic>
+        <p:nvPicPr>
+          <p:cNvPr id="4" name="Picture 3"/>
+          <p:cNvPicPr>
+            <a:picLocks noChangeAspect="1"/>
+          </p:cNvPicPr>
+          <p:nvPr/>
+        </p:nvPicPr>
+        <p:blipFill>
+          <a:blip r:embed="rId2"/>
+          <a:stretch>
+            <a:fillRect/>
+          </a:stretch>
+        </p:blipFill>
+        <p:spPr>
+          <a:xfrm>
+            <a:off x="1154955" y="2239617"/>
+            <a:ext cx="8825658" cy="4293705"/>
+          </a:xfrm>
+          <a:prstGeom prst="rect">
+            <a:avLst/>
+          </a:prstGeom>
+        </p:spPr>
+      </p:pic>
+    </p:spTree>
+    <p:extLst>
+      <p:ext uri="{BB962C8B-B14F-4D97-AF65-F5344CB8AC3E}">
+        <p14:creationId xmlns:p14="http://schemas.microsoft.com/office/powerpoint/2010/main" val="2032899146"/>
+      </p:ext>
+    </p:extLst>
+  </p:cSld>
+  <p:clrMapOvr>
+    <a:masterClrMapping/>
+  </p:clrMapOvr>
+  <p:transition spd="slow">
+    <p:push dir="u"/>
+  </p:transition>
+</p:sld>
+</file>
+
+<file path=ppt/slides/slide8.xml><?xml version="1.0" encoding="utf-8"?>
+<p:sld xmlns:a="http://schemas.openxmlformats.org/drawingml/2006/main" xmlns:r="http://schemas.openxmlformats.org/officeDocument/2006/relationships" xmlns:p="http://schemas.openxmlformats.org/presentationml/2006/main">
+  <p:cSld>
+    <p:spTree>
+      <p:nvGrpSpPr>
+        <p:cNvPr id="1" name=""/>
+        <p:cNvGrpSpPr/>
+        <p:nvPr/>
+      </p:nvGrpSpPr>
+      <p:grpSpPr>
+        <a:xfrm>
+          <a:off x="0" y="0"/>
+          <a:ext cx="0" cy="0"/>
+          <a:chOff x="0" y="0"/>
+          <a:chExt cx="0" cy="0"/>
+        </a:xfrm>
+      </p:grpSpPr>
+      <p:sp>
+        <p:nvSpPr>
+          <p:cNvPr id="2" name="Title 1"/>
+          <p:cNvSpPr>
+            <a:spLocks noGrp="1"/>
+          </p:cNvSpPr>
+          <p:nvPr>
+            <p:ph type="title"/>
+          </p:nvPr>
+        </p:nvSpPr>
+        <p:spPr/>
+        <p:txBody>
+          <a:bodyPr/>
+          <a:lstStyle/>
+          <a:p>
+            <a:r>
+              <a:rPr lang="sr-Latn-RS" dirty="0"/>
+              <a:t>Tok radova</a:t>
+            </a:r>
+          </a:p>
+        </p:txBody>
+      </p:sp>
+      <p:pic>
+        <p:nvPicPr>
+          <p:cNvPr id="5" name="Content Placeholder 4"/>
+          <p:cNvPicPr>
+            <a:picLocks noGrp="1" noChangeAspect="1"/>
+          </p:cNvPicPr>
+          <p:nvPr>
+            <p:ph sz="half" idx="1"/>
+          </p:nvPr>
+        </p:nvPicPr>
+        <p:blipFill>
+          <a:blip r:embed="rId2"/>
+          <a:stretch>
+            <a:fillRect/>
+          </a:stretch>
+        </p:blipFill>
+        <p:spPr>
+          <a:xfrm>
+            <a:off x="5632175" y="2334386"/>
+            <a:ext cx="4585252" cy="2780953"/>
+          </a:xfrm>
+        </p:spPr>
+      </p:pic>
+      <p:sp>
+        <p:nvSpPr>
+          <p:cNvPr id="4" name="Content Placeholder 3"/>
+          <p:cNvSpPr>
+            <a:spLocks noGrp="1"/>
+          </p:cNvSpPr>
+          <p:nvPr>
+            <p:ph sz="half" idx="2"/>
+          </p:nvPr>
+        </p:nvSpPr>
+        <p:spPr>
+          <a:xfrm>
+            <a:off x="952131" y="2056091"/>
+            <a:ext cx="4163208" cy="4200245"/>
+          </a:xfrm>
+        </p:spPr>
+        <p:txBody>
+          <a:bodyPr/>
+          <a:lstStyle/>
+          <a:p>
+            <a:r>
+              <a:rPr lang="sr-Latn-RS" dirty="0"/>
+              <a:t>Priprema za rad: organizovanje na osnovu plana</a:t>
+            </a:r>
+          </a:p>
+          <a:p>
+            <a:r>
+              <a:rPr lang="sr-Latn-RS" dirty="0"/>
+              <a:t>Nedeljni izveštaj: pregled urađenog</a:t>
+            </a:r>
+          </a:p>
+          <a:p>
+            <a:r>
+              <a:rPr lang="sr-Latn-RS" dirty="0"/>
+              <a:t>Modifikacija plana rada: promena plana na osnovu izveštaja</a:t>
+            </a:r>
+          </a:p>
+          <a:p>
+            <a:r>
+              <a:rPr lang="sr-Latn-RS" dirty="0"/>
+              <a:t>Provera stanja materijala i mašina: na kraju nedelje procena o stanju materijala i mašina</a:t>
+            </a:r>
+          </a:p>
+        </p:txBody>
+      </p:sp>
+    </p:spTree>
+    <p:extLst>
+      <p:ext uri="{BB962C8B-B14F-4D97-AF65-F5344CB8AC3E}">
+        <p14:creationId xmlns:p14="http://schemas.microsoft.com/office/powerpoint/2010/main" val="3313614450"/>
+      </p:ext>
+    </p:extLst>
+  </p:cSld>
+  <p:clrMapOvr>
+    <a:masterClrMapping/>
+  </p:clrMapOvr>
+  <p:transition spd="slow">
+    <p:push dir="u"/>
+  </p:transition>
+</p:sld>
+</file>
+
+<file path=ppt/slides/slide9.xml><?xml version="1.0" encoding="utf-8"?>
+<p:sld xmlns:a="http://schemas.openxmlformats.org/drawingml/2006/main" xmlns:r="http://schemas.openxmlformats.org/officeDocument/2006/relationships" xmlns:p="http://schemas.openxmlformats.org/presentationml/2006/main">
+  <p:cSld>
+    <p:spTree>
+      <p:nvGrpSpPr>
+        <p:cNvPr id="1" name=""/>
+        <p:cNvGrpSpPr/>
+        <p:nvPr/>
+      </p:nvGrpSpPr>
+      <p:grpSpPr>
+        <a:xfrm>
+          <a:off x="0" y="0"/>
+          <a:ext cx="0" cy="0"/>
+          <a:chOff x="0" y="0"/>
+          <a:chExt cx="0" cy="0"/>
+        </a:xfrm>
+      </p:grpSpPr>
+      <p:sp>
+        <p:nvSpPr>
+          <p:cNvPr id="2" name="Title 1"/>
+          <p:cNvSpPr>
+            <a:spLocks noGrp="1"/>
+          </p:cNvSpPr>
+          <p:nvPr>
+            <p:ph type="title"/>
+          </p:nvPr>
+        </p:nvSpPr>
+        <p:spPr/>
+        <p:txBody>
+          <a:bodyPr/>
+          <a:lstStyle/>
+          <a:p>
+            <a:r>
+              <a:rPr lang="sr-Latn-RS" dirty="0"/>
+              <a:t>Prodaja i marketing</a:t>
+            </a:r>
+          </a:p>
+        </p:txBody>
+      </p:sp>
+      <p:pic>
+        <p:nvPicPr>
+          <p:cNvPr id="6" name="Content Placeholder 5"/>
+          <p:cNvPicPr>
+            <a:picLocks noGrp="1" noChangeAspect="1"/>
+          </p:cNvPicPr>
+          <p:nvPr>
+            <p:ph sz="half" idx="1"/>
+          </p:nvPr>
+        </p:nvPicPr>
+        <p:blipFill>
+          <a:blip r:embed="rId2"/>
+          <a:stretch>
+            <a:fillRect/>
+          </a:stretch>
+        </p:blipFill>
+        <p:spPr>
+          <a:xfrm>
+            <a:off x="5654492" y="2275423"/>
+            <a:ext cx="4850248" cy="3355893"/>
+          </a:xfrm>
+        </p:spPr>
+      </p:pic>
+      <p:sp>
+        <p:nvSpPr>
+          <p:cNvPr id="4" name="Content Placeholder 3"/>
+          <p:cNvSpPr>
+            <a:spLocks noGrp="1"/>
+          </p:cNvSpPr>
+          <p:nvPr>
+            <p:ph sz="half" idx="2"/>
+          </p:nvPr>
+        </p:nvSpPr>
+        <p:spPr>
+          <a:xfrm>
+            <a:off x="952131" y="2928731"/>
+            <a:ext cx="4396341" cy="1961322"/>
+          </a:xfrm>
+        </p:spPr>
+        <p:txBody>
+          <a:bodyPr/>
+          <a:lstStyle/>
+          <a:p>
+            <a:r>
+              <a:rPr lang="sr-Latn-RS" dirty="0"/>
+              <a:t>Oglašavanje</a:t>
+            </a:r>
+          </a:p>
+          <a:p>
+            <a:r>
+              <a:rPr lang="sr-Latn-RS" dirty="0"/>
+              <a:t>Stavljanje objekta u prodaju</a:t>
+            </a:r>
+          </a:p>
+          <a:p>
+            <a:r>
+              <a:rPr lang="sr-Latn-RS" dirty="0"/>
+              <a:t>Prezentovanje objekta kupcu</a:t>
+            </a:r>
+          </a:p>
+          <a:p>
+            <a:r>
+              <a:rPr lang="sr-Latn-RS" dirty="0"/>
+              <a:t>Prodaja</a:t>
+            </a:r>
+          </a:p>
+        </p:txBody>
+      </p:sp>
+    </p:spTree>
+    <p:extLst>
+      <p:ext uri="{BB962C8B-B14F-4D97-AF65-F5344CB8AC3E}">
+        <p14:creationId xmlns:p14="http://schemas.microsoft.com/office/powerpoint/2010/main" val="133523298"/>
+      </p:ext>
+    </p:extLst>
+  </p:cSld>
+  <p:clrMapOvr>
+    <a:masterClrMapping/>
+  </p:clrMapOvr>
+  <p:transition spd="slow">
+    <p:push dir="u"/>
+  </p:transition>
 </p:sld>
 </file>
 

--- a/Prezentacija.pptx
+++ b/Prezentacija.pptx
@@ -7,17 +7,20 @@
   <p:sldIdLst>
     <p:sldId id="256" r:id="rId2"/>
     <p:sldId id="257" r:id="rId3"/>
-    <p:sldId id="258" r:id="rId4"/>
-    <p:sldId id="259" r:id="rId5"/>
-    <p:sldId id="260" r:id="rId6"/>
-    <p:sldId id="262" r:id="rId7"/>
-    <p:sldId id="261" r:id="rId8"/>
-    <p:sldId id="263" r:id="rId9"/>
-    <p:sldId id="264" r:id="rId10"/>
-    <p:sldId id="265" r:id="rId11"/>
-    <p:sldId id="266" r:id="rId12"/>
-    <p:sldId id="267" r:id="rId13"/>
-    <p:sldId id="268" r:id="rId14"/>
+    <p:sldId id="269" r:id="rId4"/>
+    <p:sldId id="258" r:id="rId5"/>
+    <p:sldId id="270" r:id="rId6"/>
+    <p:sldId id="259" r:id="rId7"/>
+    <p:sldId id="260" r:id="rId8"/>
+    <p:sldId id="271" r:id="rId9"/>
+    <p:sldId id="262" r:id="rId10"/>
+    <p:sldId id="261" r:id="rId11"/>
+    <p:sldId id="263" r:id="rId12"/>
+    <p:sldId id="264" r:id="rId13"/>
+    <p:sldId id="265" r:id="rId14"/>
+    <p:sldId id="266" r:id="rId15"/>
+    <p:sldId id="267" r:id="rId16"/>
+    <p:sldId id="268" r:id="rId17"/>
   </p:sldIdLst>
   <p:sldSz cx="12192000" cy="6858000"/>
   <p:notesSz cx="6858000" cy="9144000"/>
@@ -6050,7 +6053,7 @@
         <p:spPr>
           <a:xfrm>
             <a:off x="1154955" y="231506"/>
-            <a:ext cx="8825658" cy="1087843"/>
+            <a:ext cx="3430297" cy="1087843"/>
           </a:xfrm>
         </p:spPr>
         <p:txBody>
@@ -6140,6 +6143,30 @@
           </a:p>
         </p:txBody>
       </p:sp>
+      <p:pic>
+        <p:nvPicPr>
+          <p:cNvPr id="5" name="Picture 4"/>
+          <p:cNvPicPr>
+            <a:picLocks noChangeAspect="1"/>
+          </p:cNvPicPr>
+          <p:nvPr/>
+        </p:nvPicPr>
+        <p:blipFill>
+          <a:blip r:embed="rId2"/>
+          <a:stretch>
+            <a:fillRect/>
+          </a:stretch>
+        </p:blipFill>
+        <p:spPr>
+          <a:xfrm>
+            <a:off x="8335617" y="1"/>
+            <a:ext cx="1471396" cy="1550504"/>
+          </a:xfrm>
+          <a:prstGeom prst="rect">
+            <a:avLst/>
+          </a:prstGeom>
+        </p:spPr>
+      </p:pic>
     </p:spTree>
     <p:extLst>
       <p:ext uri="{BB962C8B-B14F-4D97-AF65-F5344CB8AC3E}">
@@ -6173,9 +6200,60 @@
           <a:chExt cx="0" cy="0"/>
         </a:xfrm>
       </p:grpSpPr>
+      <p:sp>
+        <p:nvSpPr>
+          <p:cNvPr id="2" name="Title 1"/>
+          <p:cNvSpPr>
+            <a:spLocks noGrp="1"/>
+          </p:cNvSpPr>
+          <p:nvPr>
+            <p:ph type="ctrTitle"/>
+          </p:nvPr>
+        </p:nvSpPr>
+        <p:spPr>
+          <a:xfrm>
+            <a:off x="1154955" y="265043"/>
+            <a:ext cx="8825658" cy="1828800"/>
+          </a:xfrm>
+        </p:spPr>
+        <p:txBody>
+          <a:bodyPr/>
+          <a:lstStyle/>
+          <a:p>
+            <a:r>
+              <a:rPr lang="sr-Latn-RS" dirty="0"/>
+              <a:t>Dijagram stanja nabavke</a:t>
+            </a:r>
+          </a:p>
+        </p:txBody>
+      </p:sp>
+      <p:sp>
+        <p:nvSpPr>
+          <p:cNvPr id="3" name="Subtitle 2"/>
+          <p:cNvSpPr>
+            <a:spLocks noGrp="1"/>
+          </p:cNvSpPr>
+          <p:nvPr>
+            <p:ph type="subTitle" idx="1"/>
+          </p:nvPr>
+        </p:nvSpPr>
+        <p:spPr>
+          <a:xfrm>
+            <a:off x="1154955" y="2239617"/>
+            <a:ext cx="8825658" cy="4293705"/>
+          </a:xfrm>
+        </p:spPr>
+        <p:txBody>
+          <a:bodyPr/>
+          <a:lstStyle/>
+          <a:p>
+            <a:endParaRPr lang="sr-Latn-RS" dirty="0"/>
+          </a:p>
+        </p:txBody>
+      </p:sp>
       <p:pic>
         <p:nvPicPr>
-          <p:cNvPr id="3" name="Picture 2"/>
+          <p:cNvPr id="4" name="Picture 3"/>
           <p:cNvPicPr>
             <a:picLocks noChangeAspect="1"/>
           </p:cNvPicPr>
@@ -6189,47 +6267,18 @@
         </p:blipFill>
         <p:spPr>
           <a:xfrm>
-            <a:off x="861392" y="1334305"/>
-            <a:ext cx="9422296" cy="5258534"/>
+            <a:off x="1154955" y="2239617"/>
+            <a:ext cx="8825658" cy="4293705"/>
           </a:xfrm>
           <a:prstGeom prst="rect">
             <a:avLst/>
           </a:prstGeom>
         </p:spPr>
       </p:pic>
-      <p:sp>
-        <p:nvSpPr>
-          <p:cNvPr id="4" name="TextBox 3"/>
-          <p:cNvSpPr txBox="1"/>
-          <p:nvPr/>
-        </p:nvSpPr>
-        <p:spPr>
-          <a:xfrm>
-            <a:off x="861392" y="755374"/>
-            <a:ext cx="8057321" cy="369332"/>
-          </a:xfrm>
-          <a:prstGeom prst="rect">
-            <a:avLst/>
-          </a:prstGeom>
-          <a:noFill/>
-        </p:spPr>
-        <p:txBody>
-          <a:bodyPr wrap="square" rtlCol="0">
-            <a:spAutoFit/>
-          </a:bodyPr>
-          <a:lstStyle/>
-          <a:p>
-            <a:r>
-              <a:rPr lang="sr-Latn-RS" dirty="0"/>
-              <a:t>Dijagram baze</a:t>
-            </a:r>
-          </a:p>
-        </p:txBody>
-      </p:sp>
     </p:spTree>
     <p:extLst>
       <p:ext uri="{BB962C8B-B14F-4D97-AF65-F5344CB8AC3E}">
-        <p14:creationId xmlns:p14="http://schemas.microsoft.com/office/powerpoint/2010/main" val="1044691825"/>
+        <p14:creationId xmlns:p14="http://schemas.microsoft.com/office/powerpoint/2010/main" val="2032899146"/>
       </p:ext>
     </p:extLst>
   </p:cSld>
@@ -6269,27 +6318,82 @@
             <p:ph type="title"/>
           </p:nvPr>
         </p:nvSpPr>
-        <p:spPr>
-          <a:xfrm>
-            <a:off x="646111" y="2809462"/>
-            <a:ext cx="9404723" cy="927652"/>
-          </a:xfrm>
-        </p:spPr>
+        <p:spPr/>
         <p:txBody>
           <a:bodyPr/>
           <a:lstStyle/>
           <a:p>
             <a:r>
               <a:rPr lang="sr-Latn-RS" dirty="0"/>
-              <a:t>Primeri, </a:t>
-            </a:r>
-            <a:r>
-              <a:rPr lang="sr-Latn-RS" dirty="0" err="1"/>
-              <a:t>sql</a:t>
-            </a:r>
+              <a:t>Tok radova</a:t>
+            </a:r>
+          </a:p>
+        </p:txBody>
+      </p:sp>
+      <p:pic>
+        <p:nvPicPr>
+          <p:cNvPr id="5" name="Content Placeholder 4"/>
+          <p:cNvPicPr>
+            <a:picLocks noGrp="1" noChangeAspect="1"/>
+          </p:cNvPicPr>
+          <p:nvPr>
+            <p:ph sz="half" idx="1"/>
+          </p:nvPr>
+        </p:nvPicPr>
+        <p:blipFill>
+          <a:blip r:embed="rId2"/>
+          <a:stretch>
+            <a:fillRect/>
+          </a:stretch>
+        </p:blipFill>
+        <p:spPr>
+          <a:xfrm>
+            <a:off x="5632175" y="2334386"/>
+            <a:ext cx="4585252" cy="2780953"/>
+          </a:xfrm>
+        </p:spPr>
+      </p:pic>
+      <p:sp>
+        <p:nvSpPr>
+          <p:cNvPr id="4" name="Content Placeholder 3"/>
+          <p:cNvSpPr>
+            <a:spLocks noGrp="1"/>
+          </p:cNvSpPr>
+          <p:nvPr>
+            <p:ph sz="half" idx="2"/>
+          </p:nvPr>
+        </p:nvSpPr>
+        <p:spPr>
+          <a:xfrm>
+            <a:off x="952131" y="2056091"/>
+            <a:ext cx="4163208" cy="4200245"/>
+          </a:xfrm>
+        </p:spPr>
+        <p:txBody>
+          <a:bodyPr/>
+          <a:lstStyle/>
+          <a:p>
             <a:r>
               <a:rPr lang="sr-Latn-RS" dirty="0"/>
-              <a:t> kodovi, dijagrami…</a:t>
+              <a:t>Priprema za rad: organizovanje na osnovu plana</a:t>
+            </a:r>
+          </a:p>
+          <a:p>
+            <a:r>
+              <a:rPr lang="sr-Latn-RS" dirty="0"/>
+              <a:t>Nedeljni izveštaj: pregled urađenog</a:t>
+            </a:r>
+          </a:p>
+          <a:p>
+            <a:r>
+              <a:rPr lang="sr-Latn-RS" dirty="0"/>
+              <a:t>Modifikacija plana rada: promena plana na osnovu izveštaja</a:t>
+            </a:r>
+          </a:p>
+          <a:p>
+            <a:r>
+              <a:rPr lang="sr-Latn-RS" dirty="0"/>
+              <a:t>Provera stanja materijala i mašina: na kraju nedelje procena o stanju materijala i mašina</a:t>
             </a:r>
           </a:p>
         </p:txBody>
@@ -6297,7 +6401,7 @@
     </p:spTree>
     <p:extLst>
       <p:ext uri="{BB962C8B-B14F-4D97-AF65-F5344CB8AC3E}">
-        <p14:creationId xmlns:p14="http://schemas.microsoft.com/office/powerpoint/2010/main" val="2812638147"/>
+        <p14:creationId xmlns:p14="http://schemas.microsoft.com/office/powerpoint/2010/main" val="3313614450"/>
       </p:ext>
     </p:extLst>
   </p:cSld>
@@ -6337,6 +6441,283 @@
             <p:ph type="title"/>
           </p:nvPr>
         </p:nvSpPr>
+        <p:spPr/>
+        <p:txBody>
+          <a:bodyPr/>
+          <a:lstStyle/>
+          <a:p>
+            <a:r>
+              <a:rPr lang="sr-Latn-RS" dirty="0"/>
+              <a:t>Prodaja i marketing</a:t>
+            </a:r>
+          </a:p>
+        </p:txBody>
+      </p:sp>
+      <p:pic>
+        <p:nvPicPr>
+          <p:cNvPr id="6" name="Content Placeholder 5"/>
+          <p:cNvPicPr>
+            <a:picLocks noGrp="1" noChangeAspect="1"/>
+          </p:cNvPicPr>
+          <p:nvPr>
+            <p:ph sz="half" idx="1"/>
+          </p:nvPr>
+        </p:nvPicPr>
+        <p:blipFill>
+          <a:blip r:embed="rId2"/>
+          <a:stretch>
+            <a:fillRect/>
+          </a:stretch>
+        </p:blipFill>
+        <p:spPr>
+          <a:xfrm>
+            <a:off x="5654492" y="2275423"/>
+            <a:ext cx="4850248" cy="3355893"/>
+          </a:xfrm>
+        </p:spPr>
+      </p:pic>
+      <p:sp>
+        <p:nvSpPr>
+          <p:cNvPr id="4" name="Content Placeholder 3"/>
+          <p:cNvSpPr>
+            <a:spLocks noGrp="1"/>
+          </p:cNvSpPr>
+          <p:nvPr>
+            <p:ph sz="half" idx="2"/>
+          </p:nvPr>
+        </p:nvSpPr>
+        <p:spPr>
+          <a:xfrm>
+            <a:off x="952131" y="2928731"/>
+            <a:ext cx="4396341" cy="1961322"/>
+          </a:xfrm>
+        </p:spPr>
+        <p:txBody>
+          <a:bodyPr/>
+          <a:lstStyle/>
+          <a:p>
+            <a:r>
+              <a:rPr lang="sr-Latn-RS" dirty="0"/>
+              <a:t>Oglašavanje</a:t>
+            </a:r>
+          </a:p>
+          <a:p>
+            <a:r>
+              <a:rPr lang="sr-Latn-RS" dirty="0"/>
+              <a:t>Stavljanje objekta u prodaju</a:t>
+            </a:r>
+          </a:p>
+          <a:p>
+            <a:r>
+              <a:rPr lang="sr-Latn-RS" dirty="0"/>
+              <a:t>Prezentovanje objekta kupcu</a:t>
+            </a:r>
+          </a:p>
+          <a:p>
+            <a:r>
+              <a:rPr lang="sr-Latn-RS" dirty="0"/>
+              <a:t>Prodaja</a:t>
+            </a:r>
+          </a:p>
+        </p:txBody>
+      </p:sp>
+    </p:spTree>
+    <p:extLst>
+      <p:ext uri="{BB962C8B-B14F-4D97-AF65-F5344CB8AC3E}">
+        <p14:creationId xmlns:p14="http://schemas.microsoft.com/office/powerpoint/2010/main" val="133523298"/>
+      </p:ext>
+    </p:extLst>
+  </p:cSld>
+  <p:clrMapOvr>
+    <a:masterClrMapping/>
+  </p:clrMapOvr>
+  <p:transition spd="slow">
+    <p:push dir="u"/>
+  </p:transition>
+</p:sld>
+</file>
+
+<file path=ppt/slides/slide13.xml><?xml version="1.0" encoding="utf-8"?>
+<p:sld xmlns:a="http://schemas.openxmlformats.org/drawingml/2006/main" xmlns:r="http://schemas.openxmlformats.org/officeDocument/2006/relationships" xmlns:p="http://schemas.openxmlformats.org/presentationml/2006/main">
+  <p:cSld>
+    <p:spTree>
+      <p:nvGrpSpPr>
+        <p:cNvPr id="1" name=""/>
+        <p:cNvGrpSpPr/>
+        <p:nvPr/>
+      </p:nvGrpSpPr>
+      <p:grpSpPr>
+        <a:xfrm>
+          <a:off x="0" y="0"/>
+          <a:ext cx="0" cy="0"/>
+          <a:chOff x="0" y="0"/>
+          <a:chExt cx="0" cy="0"/>
+        </a:xfrm>
+      </p:grpSpPr>
+      <p:sp>
+        <p:nvSpPr>
+          <p:cNvPr id="4" name="TextBox 3"/>
+          <p:cNvSpPr txBox="1"/>
+          <p:nvPr/>
+        </p:nvSpPr>
+        <p:spPr>
+          <a:xfrm>
+            <a:off x="861392" y="755374"/>
+            <a:ext cx="8057321" cy="369332"/>
+          </a:xfrm>
+          <a:prstGeom prst="rect">
+            <a:avLst/>
+          </a:prstGeom>
+          <a:noFill/>
+        </p:spPr>
+        <p:txBody>
+          <a:bodyPr wrap="square" rtlCol="0">
+            <a:spAutoFit/>
+          </a:bodyPr>
+          <a:lstStyle/>
+          <a:p>
+            <a:r>
+              <a:rPr lang="sr-Latn-RS" dirty="0"/>
+              <a:t>Dijagram baze</a:t>
+            </a:r>
+          </a:p>
+        </p:txBody>
+      </p:sp>
+      <p:pic>
+        <p:nvPicPr>
+          <p:cNvPr id="2" name="Picture 1"/>
+          <p:cNvPicPr>
+            <a:picLocks noChangeAspect="1"/>
+          </p:cNvPicPr>
+          <p:nvPr/>
+        </p:nvPicPr>
+        <p:blipFill>
+          <a:blip r:embed="rId2"/>
+          <a:stretch>
+            <a:fillRect/>
+          </a:stretch>
+        </p:blipFill>
+        <p:spPr>
+          <a:xfrm>
+            <a:off x="1361309" y="1364110"/>
+            <a:ext cx="8718698" cy="5142708"/>
+          </a:xfrm>
+          <a:prstGeom prst="rect">
+            <a:avLst/>
+          </a:prstGeom>
+        </p:spPr>
+      </p:pic>
+    </p:spTree>
+    <p:extLst>
+      <p:ext uri="{BB962C8B-B14F-4D97-AF65-F5344CB8AC3E}">
+        <p14:creationId xmlns:p14="http://schemas.microsoft.com/office/powerpoint/2010/main" val="1044691825"/>
+      </p:ext>
+    </p:extLst>
+  </p:cSld>
+  <p:clrMapOvr>
+    <a:masterClrMapping/>
+  </p:clrMapOvr>
+  <p:transition spd="slow">
+    <p:push dir="u"/>
+  </p:transition>
+</p:sld>
+</file>
+
+<file path=ppt/slides/slide14.xml><?xml version="1.0" encoding="utf-8"?>
+<p:sld xmlns:a="http://schemas.openxmlformats.org/drawingml/2006/main" xmlns:r="http://schemas.openxmlformats.org/officeDocument/2006/relationships" xmlns:p="http://schemas.openxmlformats.org/presentationml/2006/main">
+  <p:cSld>
+    <p:spTree>
+      <p:nvGrpSpPr>
+        <p:cNvPr id="1" name=""/>
+        <p:cNvGrpSpPr/>
+        <p:nvPr/>
+      </p:nvGrpSpPr>
+      <p:grpSpPr>
+        <a:xfrm>
+          <a:off x="0" y="0"/>
+          <a:ext cx="0" cy="0"/>
+          <a:chOff x="0" y="0"/>
+          <a:chExt cx="0" cy="0"/>
+        </a:xfrm>
+      </p:grpSpPr>
+      <p:sp>
+        <p:nvSpPr>
+          <p:cNvPr id="2" name="Title 1"/>
+          <p:cNvSpPr>
+            <a:spLocks noGrp="1"/>
+          </p:cNvSpPr>
+          <p:nvPr>
+            <p:ph type="title"/>
+          </p:nvPr>
+        </p:nvSpPr>
+        <p:spPr>
+          <a:xfrm>
+            <a:off x="646111" y="2809462"/>
+            <a:ext cx="9404723" cy="927652"/>
+          </a:xfrm>
+        </p:spPr>
+        <p:txBody>
+          <a:bodyPr/>
+          <a:lstStyle/>
+          <a:p>
+            <a:r>
+              <a:rPr lang="sr-Latn-RS" dirty="0"/>
+              <a:t>Primeri, </a:t>
+            </a:r>
+            <a:r>
+              <a:rPr lang="sr-Latn-RS" dirty="0" err="1"/>
+              <a:t>sql</a:t>
+            </a:r>
+            <a:r>
+              <a:rPr lang="sr-Latn-RS" dirty="0"/>
+              <a:t> kodovi, dijagrami…</a:t>
+            </a:r>
+          </a:p>
+        </p:txBody>
+      </p:sp>
+    </p:spTree>
+    <p:extLst>
+      <p:ext uri="{BB962C8B-B14F-4D97-AF65-F5344CB8AC3E}">
+        <p14:creationId xmlns:p14="http://schemas.microsoft.com/office/powerpoint/2010/main" val="2812638147"/>
+      </p:ext>
+    </p:extLst>
+  </p:cSld>
+  <p:clrMapOvr>
+    <a:masterClrMapping/>
+  </p:clrMapOvr>
+  <p:transition spd="slow">
+    <p:push dir="u"/>
+  </p:transition>
+</p:sld>
+</file>
+
+<file path=ppt/slides/slide15.xml><?xml version="1.0" encoding="utf-8"?>
+<p:sld xmlns:a="http://schemas.openxmlformats.org/drawingml/2006/main" xmlns:r="http://schemas.openxmlformats.org/officeDocument/2006/relationships" xmlns:p="http://schemas.openxmlformats.org/presentationml/2006/main">
+  <p:cSld>
+    <p:spTree>
+      <p:nvGrpSpPr>
+        <p:cNvPr id="1" name=""/>
+        <p:cNvGrpSpPr/>
+        <p:nvPr/>
+      </p:nvGrpSpPr>
+      <p:grpSpPr>
+        <a:xfrm>
+          <a:off x="0" y="0"/>
+          <a:ext cx="0" cy="0"/>
+          <a:chOff x="0" y="0"/>
+          <a:chExt cx="0" cy="0"/>
+        </a:xfrm>
+      </p:grpSpPr>
+      <p:sp>
+        <p:nvSpPr>
+          <p:cNvPr id="2" name="Title 1"/>
+          <p:cNvSpPr>
+            <a:spLocks noGrp="1"/>
+          </p:cNvSpPr>
+          <p:nvPr>
+            <p:ph type="title"/>
+          </p:nvPr>
+        </p:nvSpPr>
         <p:spPr>
           <a:xfrm>
             <a:off x="646111" y="2809460"/>
@@ -6380,7 +6761,7 @@
 </p:sld>
 </file>
 
-<file path=ppt/slides/slide13.xml><?xml version="1.0" encoding="utf-8"?>
+<file path=ppt/slides/slide16.xml><?xml version="1.0" encoding="utf-8"?>
 <p:sld xmlns:a="http://schemas.openxmlformats.org/drawingml/2006/main" xmlns:r="http://schemas.openxmlformats.org/officeDocument/2006/relationships" xmlns:p="http://schemas.openxmlformats.org/presentationml/2006/main">
   <p:cSld>
     <p:spTree>
@@ -6688,97 +7069,51 @@
             <p:ph type="title"/>
           </p:nvPr>
         </p:nvSpPr>
-        <p:spPr/>
+        <p:spPr>
+          <a:xfrm>
+            <a:off x="646111" y="452718"/>
+            <a:ext cx="9404723" cy="938760"/>
+          </a:xfrm>
+        </p:spPr>
         <p:txBody>
           <a:bodyPr/>
           <a:lstStyle/>
           <a:p>
             <a:r>
               <a:rPr lang="sr-Latn-RS" dirty="0"/>
-              <a:t>Planiranje projekta</a:t>
-            </a:r>
-            <a:endParaRPr lang="en-US" dirty="0"/>
-          </a:p>
-        </p:txBody>
-      </p:sp>
-      <p:sp>
-        <p:nvSpPr>
-          <p:cNvPr id="3" name="Content Placeholder 2"/>
-          <p:cNvSpPr>
-            <a:spLocks noGrp="1"/>
-          </p:cNvSpPr>
-          <p:nvPr>
-            <p:ph sz="half" idx="1"/>
-          </p:nvPr>
-        </p:nvSpPr>
-        <p:spPr>
-          <a:xfrm>
-            <a:off x="646112" y="2978332"/>
-            <a:ext cx="4853540" cy="2743200"/>
-          </a:xfrm>
-        </p:spPr>
-        <p:txBody>
-          <a:bodyPr/>
-          <a:lstStyle/>
-          <a:p>
-            <a:r>
-              <a:rPr lang="sr-Latn-RS" dirty="0"/>
-              <a:t>Okviri projekta: Građevinski inženjer postavlja okvire projekta</a:t>
-            </a:r>
-          </a:p>
-          <a:p>
-            <a:r>
-              <a:rPr lang="sr-Latn-RS" dirty="0"/>
-              <a:t>Projektovanje pbjekta: Arhitekta projektuje objekat na osnovu plana inženjera</a:t>
-            </a:r>
-          </a:p>
-          <a:p>
-            <a:r>
-              <a:rPr lang="sr-Latn-RS" dirty="0"/>
-              <a:t>Finansijska analiza projekta: Ekonomista vrši finansijsku analizu</a:t>
-            </a:r>
-            <a:endParaRPr lang="en-US" dirty="0"/>
+              <a:t>Izgled IS-a</a:t>
+            </a:r>
           </a:p>
         </p:txBody>
       </p:sp>
       <p:pic>
         <p:nvPicPr>
-          <p:cNvPr id="5" name="Image4"/>
+          <p:cNvPr id="3" name="Picture 2"/>
           <p:cNvPicPr>
-            <a:picLocks noGrp="1"/>
+            <a:picLocks noChangeAspect="1"/>
           </p:cNvPicPr>
-          <p:nvPr>
-            <p:ph sz="half" idx="2"/>
-          </p:nvPr>
+          <p:nvPr/>
         </p:nvPicPr>
         <p:blipFill>
-          <a:blip r:embed="rId2">
-            <a:lum/>
-            <a:alphaModFix/>
-          </a:blip>
-          <a:srcRect/>
+          <a:blip r:embed="rId2"/>
           <a:stretch>
             <a:fillRect/>
           </a:stretch>
         </p:blipFill>
         <p:spPr>
           <a:xfrm>
-            <a:off x="5865223" y="2060576"/>
-            <a:ext cx="4185611" cy="4195762"/>
+            <a:off x="1404730" y="1524001"/>
+            <a:ext cx="8547653" cy="5022574"/>
           </a:xfrm>
           <a:prstGeom prst="rect">
             <a:avLst/>
           </a:prstGeom>
-          <a:ln>
-            <a:noFill/>
-            <a:prstDash/>
-          </a:ln>
         </p:spPr>
       </p:pic>
     </p:spTree>
     <p:extLst>
       <p:ext uri="{BB962C8B-B14F-4D97-AF65-F5344CB8AC3E}">
-        <p14:creationId xmlns:p14="http://schemas.microsoft.com/office/powerpoint/2010/main" val="2612194374"/>
+        <p14:creationId xmlns:p14="http://schemas.microsoft.com/office/powerpoint/2010/main" val="3519700483"/>
       </p:ext>
     </p:extLst>
   </p:cSld>
@@ -6815,83 +7150,100 @@
             <a:spLocks noGrp="1"/>
           </p:cNvSpPr>
           <p:nvPr>
-            <p:ph type="ctrTitle"/>
-          </p:nvPr>
-        </p:nvSpPr>
-        <p:spPr>
-          <a:xfrm>
-            <a:off x="1154955" y="1126434"/>
-            <a:ext cx="8825658" cy="2160105"/>
-          </a:xfrm>
-        </p:spPr>
+            <p:ph type="title"/>
+          </p:nvPr>
+        </p:nvSpPr>
+        <p:spPr/>
         <p:txBody>
           <a:bodyPr/>
           <a:lstStyle/>
           <a:p>
             <a:r>
               <a:rPr lang="sr-Latn-RS" dirty="0"/>
-              <a:t>Unajmljivanje podizvođača</a:t>
-            </a:r>
-          </a:p>
-        </p:txBody>
-      </p:sp>
-      <p:sp>
-        <p:nvSpPr>
-          <p:cNvPr id="3" name="Subtitle 2"/>
-          <p:cNvSpPr>
-            <a:spLocks noGrp="1"/>
-          </p:cNvSpPr>
-          <p:nvPr>
-            <p:ph type="subTitle" idx="1"/>
-          </p:nvPr>
-        </p:nvSpPr>
-        <p:spPr>
-          <a:xfrm>
-            <a:off x="1154955" y="4028661"/>
-            <a:ext cx="8825658" cy="1908314"/>
-          </a:xfrm>
-        </p:spPr>
-        <p:txBody>
-          <a:bodyPr>
-            <a:normAutofit/>
-          </a:bodyPr>
-          <a:lstStyle/>
-          <a:p>
-            <a:pPr marL="342900" indent="-342900">
-              <a:buFont typeface="Wingdings" panose="05000000000000000000" pitchFamily="2" charset="2"/>
-              <a:buChar char="Ø"/>
-            </a:pPr>
+              <a:t>Planiranje projekta</a:t>
+            </a:r>
+            <a:endParaRPr lang="en-US" dirty="0"/>
+          </a:p>
+        </p:txBody>
+      </p:sp>
+      <p:sp>
+        <p:nvSpPr>
+          <p:cNvPr id="3" name="Content Placeholder 2"/>
+          <p:cNvSpPr>
+            <a:spLocks noGrp="1"/>
+          </p:cNvSpPr>
+          <p:nvPr>
+            <p:ph sz="half" idx="1"/>
+          </p:nvPr>
+        </p:nvSpPr>
+        <p:spPr>
+          <a:xfrm>
+            <a:off x="646112" y="2978332"/>
+            <a:ext cx="4853540" cy="2743200"/>
+          </a:xfrm>
+        </p:spPr>
+        <p:txBody>
+          <a:bodyPr/>
+          <a:lstStyle/>
+          <a:p>
             <a:r>
               <a:rPr lang="sr-Latn-RS" dirty="0"/>
-              <a:t>Oglašavanje radova za podizvođače: Direktor procenjuje potrebe za radovima</a:t>
-            </a:r>
-          </a:p>
-          <a:p>
-            <a:pPr marL="342900" indent="-342900">
-              <a:buFont typeface="Wingdings" panose="05000000000000000000" pitchFamily="2" charset="2"/>
-              <a:buChar char="Ø"/>
-            </a:pPr>
+              <a:t>Okviri projekta: Građevinski inženjer postavlja okvire projekta</a:t>
+            </a:r>
+          </a:p>
+          <a:p>
             <a:r>
               <a:rPr lang="sr-Latn-RS" dirty="0"/>
-              <a:t>Odabir potencijalnih podizvođača: Biraju se podizvođači</a:t>
-            </a:r>
-          </a:p>
-          <a:p>
-            <a:pPr marL="342900" indent="-342900">
-              <a:buFont typeface="Wingdings" panose="05000000000000000000" pitchFamily="2" charset="2"/>
-              <a:buChar char="Ø"/>
-            </a:pPr>
+              <a:t>Projektovanje pbjekta: Arhitekta projektuje objekat na osnovu plana inženjera</a:t>
+            </a:r>
+          </a:p>
+          <a:p>
             <a:r>
               <a:rPr lang="sr-Latn-RS" dirty="0"/>
-              <a:t>Unos sklopljenih Ugovora: Direktor unosi podatke o ugovoru u bazu</a:t>
-            </a:r>
-          </a:p>
-        </p:txBody>
-      </p:sp>
+              <a:t>Finansijska analiza projekta: Ekonomista vrši finansijsku analizu</a:t>
+            </a:r>
+            <a:endParaRPr lang="en-US" dirty="0"/>
+          </a:p>
+        </p:txBody>
+      </p:sp>
+      <p:pic>
+        <p:nvPicPr>
+          <p:cNvPr id="5" name="Image4"/>
+          <p:cNvPicPr>
+            <a:picLocks noGrp="1"/>
+          </p:cNvPicPr>
+          <p:nvPr>
+            <p:ph sz="half" idx="2"/>
+          </p:nvPr>
+        </p:nvPicPr>
+        <p:blipFill>
+          <a:blip r:embed="rId2">
+            <a:lum/>
+            <a:alphaModFix/>
+          </a:blip>
+          <a:srcRect/>
+          <a:stretch>
+            <a:fillRect/>
+          </a:stretch>
+        </p:blipFill>
+        <p:spPr>
+          <a:xfrm>
+            <a:off x="5865223" y="2060576"/>
+            <a:ext cx="4185611" cy="4195762"/>
+          </a:xfrm>
+          <a:prstGeom prst="rect">
+            <a:avLst/>
+          </a:prstGeom>
+          <a:ln>
+            <a:noFill/>
+            <a:prstDash/>
+          </a:ln>
+        </p:spPr>
+      </p:pic>
     </p:spTree>
     <p:extLst>
       <p:ext uri="{BB962C8B-B14F-4D97-AF65-F5344CB8AC3E}">
-        <p14:creationId xmlns:p14="http://schemas.microsoft.com/office/powerpoint/2010/main" val="991868750"/>
+        <p14:creationId xmlns:p14="http://schemas.microsoft.com/office/powerpoint/2010/main" val="2612194374"/>
       </p:ext>
     </p:extLst>
   </p:cSld>
@@ -6937,107 +7289,65 @@
           <a:lstStyle/>
           <a:p>
             <a:r>
-              <a:rPr lang="sr-Latn-RS" dirty="0"/>
-              <a:t>Nabavka materijala</a:t>
-            </a:r>
-          </a:p>
-        </p:txBody>
-      </p:sp>
-      <p:sp>
-        <p:nvSpPr>
-          <p:cNvPr id="3" name="Content Placeholder 2"/>
-          <p:cNvSpPr>
-            <a:spLocks noGrp="1"/>
-          </p:cNvSpPr>
-          <p:nvPr>
-            <p:ph sz="half" idx="1"/>
-          </p:nvPr>
-        </p:nvSpPr>
-        <p:spPr>
-          <a:xfrm>
-            <a:off x="646112" y="2060575"/>
-            <a:ext cx="4853540" cy="4195763"/>
-          </a:xfrm>
-        </p:spPr>
-        <p:txBody>
-          <a:bodyPr/>
-          <a:lstStyle/>
-          <a:p>
-            <a:r>
-              <a:rPr lang="sr-Latn-RS" dirty="0"/>
-              <a:t>Provera materijala na stanju: procenjuje se da li je potrebna nabavka</a:t>
-            </a:r>
-          </a:p>
-          <a:p>
-            <a:r>
-              <a:rPr lang="sr-Latn-RS" dirty="0"/>
-              <a:t>Oglašavanje nabavke materijala: oglašava se nabavka</a:t>
-            </a:r>
-          </a:p>
-          <a:p>
-            <a:r>
-              <a:rPr lang="sr-Latn-RS" dirty="0"/>
-              <a:t>Izbor dobavljača materijala: vrši se izbor dobavljača</a:t>
-            </a:r>
-          </a:p>
-          <a:p>
-            <a:r>
-              <a:rPr lang="sr-Latn-RS" dirty="0"/>
-              <a:t>Predaja naloga za nabavku: ispunjavanje, predaja, obrada naloga</a:t>
-            </a:r>
-          </a:p>
-          <a:p>
-            <a:r>
-              <a:rPr lang="sr-Latn-RS" dirty="0"/>
-              <a:t>Prijem materijala: pregled materijala</a:t>
-            </a:r>
-          </a:p>
-          <a:p>
-            <a:r>
-              <a:rPr lang="sr-Latn-RS" dirty="0"/>
-              <a:t>Kupovina i isplata materijala: vrši se krajnja kupovina, isplata</a:t>
-            </a:r>
+              <a:rPr lang="en-GB" dirty="0" err="1"/>
+              <a:t>Finansijska</a:t>
+            </a:r>
+            <a:r>
+              <a:rPr lang="en-GB" dirty="0"/>
+              <a:t> </a:t>
+            </a:r>
+            <a:r>
+              <a:rPr lang="en-GB" dirty="0" err="1"/>
+              <a:t>analiya</a:t>
+            </a:r>
+            <a:r>
+              <a:rPr lang="en-GB" dirty="0"/>
+              <a:t> </a:t>
+            </a:r>
+            <a:r>
+              <a:rPr lang="en-GB" dirty="0" err="1"/>
+              <a:t>projekta</a:t>
+            </a:r>
+            <a:r>
+              <a:rPr lang="en-GB" dirty="0"/>
+              <a:t>: </a:t>
+            </a:r>
+            <a:r>
+              <a:rPr lang="en-GB" dirty="0" err="1"/>
+              <a:t>dijagram</a:t>
+            </a:r>
+            <a:endParaRPr lang="sr-Latn-RS" dirty="0"/>
           </a:p>
         </p:txBody>
       </p:sp>
       <p:pic>
         <p:nvPicPr>
-          <p:cNvPr id="5" name="Image6"/>
+          <p:cNvPr id="3" name="Picture 2"/>
           <p:cNvPicPr>
-            <a:picLocks noGrp="1"/>
+            <a:picLocks noChangeAspect="1"/>
           </p:cNvPicPr>
-          <p:nvPr>
-            <p:ph sz="half" idx="2"/>
-          </p:nvPr>
+          <p:nvPr/>
         </p:nvPicPr>
         <p:blipFill>
-          <a:blip r:embed="rId2">
-            <a:lum/>
-            <a:alphaModFix/>
-          </a:blip>
-          <a:srcRect/>
+          <a:blip r:embed="rId2"/>
           <a:stretch>
             <a:fillRect/>
           </a:stretch>
         </p:blipFill>
         <p:spPr>
           <a:xfrm>
-            <a:off x="5838618" y="2055813"/>
-            <a:ext cx="4537834" cy="4200525"/>
+            <a:off x="1152939" y="2610364"/>
+            <a:ext cx="8897895" cy="3141080"/>
           </a:xfrm>
           <a:prstGeom prst="rect">
             <a:avLst/>
           </a:prstGeom>
-          <a:ln>
-            <a:noFill/>
-            <a:prstDash/>
-          </a:ln>
         </p:spPr>
       </p:pic>
     </p:spTree>
     <p:extLst>
       <p:ext uri="{BB962C8B-B14F-4D97-AF65-F5344CB8AC3E}">
-        <p14:creationId xmlns:p14="http://schemas.microsoft.com/office/powerpoint/2010/main" val="3732496593"/>
+        <p14:creationId xmlns:p14="http://schemas.microsoft.com/office/powerpoint/2010/main" val="3533259539"/>
       </p:ext>
     </p:extLst>
   </p:cSld>
@@ -7074,95 +7384,86 @@
             <a:spLocks noGrp="1"/>
           </p:cNvSpPr>
           <p:nvPr>
-            <p:ph type="title"/>
-          </p:nvPr>
-        </p:nvSpPr>
-        <p:spPr/>
-        <p:txBody>
-          <a:bodyPr/>
-          <a:lstStyle/>
-          <a:p>
-            <a:r>
-              <a:rPr lang="en-GB" dirty="0" err="1"/>
-              <a:t>Nabavka</a:t>
-            </a:r>
-            <a:r>
-              <a:rPr lang="en-GB" dirty="0"/>
-              <a:t> ma</a:t>
-            </a:r>
+            <p:ph type="ctrTitle"/>
+          </p:nvPr>
+        </p:nvSpPr>
+        <p:spPr>
+          <a:xfrm>
+            <a:off x="1154955" y="463827"/>
+            <a:ext cx="8825658" cy="2120348"/>
+          </a:xfrm>
+        </p:spPr>
+        <p:txBody>
+          <a:bodyPr/>
+          <a:lstStyle/>
+          <a:p>
             <a:r>
               <a:rPr lang="sr-Latn-RS" dirty="0"/>
-              <a:t>š</a:t>
-            </a:r>
-            <a:r>
-              <a:rPr lang="en-GB" dirty="0" err="1"/>
-              <a:t>ina</a:t>
-            </a:r>
-            <a:endParaRPr lang="sr-Latn-RS" dirty="0"/>
-          </a:p>
-        </p:txBody>
-      </p:sp>
-      <p:sp>
-        <p:nvSpPr>
-          <p:cNvPr id="3" name="Content Placeholder 2"/>
-          <p:cNvSpPr>
-            <a:spLocks noGrp="1"/>
-          </p:cNvSpPr>
-          <p:nvPr>
-            <p:ph sz="half" idx="1"/>
-          </p:nvPr>
-        </p:nvSpPr>
-        <p:spPr/>
-        <p:txBody>
-          <a:bodyPr/>
-          <a:lstStyle/>
-          <a:p>
+              <a:t>Unajmljivanje podizvođača</a:t>
+            </a:r>
+          </a:p>
+        </p:txBody>
+      </p:sp>
+      <p:sp>
+        <p:nvSpPr>
+          <p:cNvPr id="3" name="Subtitle 2"/>
+          <p:cNvSpPr>
+            <a:spLocks noGrp="1"/>
+          </p:cNvSpPr>
+          <p:nvPr>
+            <p:ph type="subTitle" idx="1"/>
+          </p:nvPr>
+        </p:nvSpPr>
+        <p:spPr>
+          <a:xfrm>
+            <a:off x="1154955" y="3286539"/>
+            <a:ext cx="3986888" cy="2650436"/>
+          </a:xfrm>
+        </p:spPr>
+        <p:txBody>
+          <a:bodyPr>
+            <a:normAutofit fontScale="85000" lnSpcReduction="20000"/>
+          </a:bodyPr>
+          <a:lstStyle/>
+          <a:p>
+            <a:pPr marL="342900" indent="-342900">
+              <a:buFont typeface="Wingdings" panose="05000000000000000000" pitchFamily="2" charset="2"/>
+              <a:buChar char="Ø"/>
+            </a:pPr>
             <a:r>
               <a:rPr lang="sr-Latn-RS" dirty="0"/>
-              <a:t>Provera stanja mašina</a:t>
-            </a:r>
-          </a:p>
-          <a:p>
+              <a:t>Oglašavanje radova za podizvođače: Direktor procenjuje potrebe za radovima</a:t>
+            </a:r>
+          </a:p>
+          <a:p>
+            <a:pPr marL="342900" indent="-342900">
+              <a:buFont typeface="Wingdings" panose="05000000000000000000" pitchFamily="2" charset="2"/>
+              <a:buChar char="Ø"/>
+            </a:pPr>
             <a:r>
               <a:rPr lang="sr-Latn-RS" dirty="0"/>
-              <a:t>Izbor dobavljača mašina</a:t>
-            </a:r>
-          </a:p>
-          <a:p>
+              <a:t>Odabir potencijalnih podizvođača: Biraju se podizvođači</a:t>
+            </a:r>
+          </a:p>
+          <a:p>
+            <a:pPr marL="342900" indent="-342900">
+              <a:buFont typeface="Wingdings" panose="05000000000000000000" pitchFamily="2" charset="2"/>
+              <a:buChar char="Ø"/>
+            </a:pPr>
             <a:r>
               <a:rPr lang="sr-Latn-RS" dirty="0"/>
-              <a:t>Ispunjavanje naloga za nabavku</a:t>
-            </a:r>
-          </a:p>
-          <a:p>
-            <a:r>
-              <a:rPr lang="sr-Latn-RS" dirty="0"/>
-              <a:t>Predaja naloga za nabavku</a:t>
-            </a:r>
-          </a:p>
-          <a:p>
-            <a:r>
-              <a:rPr lang="sr-Latn-RS" dirty="0"/>
-              <a:t>Prijem mašina</a:t>
-            </a:r>
-          </a:p>
-          <a:p>
-            <a:r>
-              <a:rPr lang="sr-Latn-RS" dirty="0"/>
-              <a:t>Kupovina mašina</a:t>
+              <a:t>Unos sklopljenih Ugovora: Direktor unosi podatke o ugovoru u bazu</a:t>
             </a:r>
           </a:p>
         </p:txBody>
       </p:sp>
       <p:pic>
         <p:nvPicPr>
-          <p:cNvPr id="5" name="Content Placeholder 4"/>
+          <p:cNvPr id="4" name="Picture 3"/>
           <p:cNvPicPr>
-            <a:picLocks noGrp="1" noChangeAspect="1"/>
+            <a:picLocks noChangeAspect="1"/>
           </p:cNvPicPr>
-          <p:nvPr>
-            <p:ph sz="half" idx="2"/>
-          </p:nvPr>
+          <p:nvPr/>
         </p:nvPicPr>
         <p:blipFill>
           <a:blip r:embed="rId2"/>
@@ -7172,15 +7473,18 @@
         </p:blipFill>
         <p:spPr>
           <a:xfrm>
-            <a:off x="5499652" y="1853248"/>
-            <a:ext cx="4850296" cy="4403089"/>
-          </a:xfrm>
+            <a:off x="6813715" y="3101009"/>
+            <a:ext cx="3166898" cy="2637182"/>
+          </a:xfrm>
+          <a:prstGeom prst="rect">
+            <a:avLst/>
+          </a:prstGeom>
         </p:spPr>
       </p:pic>
     </p:spTree>
     <p:extLst>
       <p:ext uri="{BB962C8B-B14F-4D97-AF65-F5344CB8AC3E}">
-        <p14:creationId xmlns:p14="http://schemas.microsoft.com/office/powerpoint/2010/main" val="2128324873"/>
+        <p14:creationId xmlns:p14="http://schemas.microsoft.com/office/powerpoint/2010/main" val="991868750"/>
       </p:ext>
     </p:extLst>
   </p:cSld>
@@ -7217,78 +7521,116 @@
             <a:spLocks noGrp="1"/>
           </p:cNvSpPr>
           <p:nvPr>
-            <p:ph type="ctrTitle"/>
-          </p:nvPr>
-        </p:nvSpPr>
-        <p:spPr>
-          <a:xfrm>
-            <a:off x="1154955" y="265043"/>
-            <a:ext cx="8825658" cy="1828800"/>
-          </a:xfrm>
-        </p:spPr>
+            <p:ph type="title"/>
+          </p:nvPr>
+        </p:nvSpPr>
+        <p:spPr/>
         <p:txBody>
           <a:bodyPr/>
           <a:lstStyle/>
           <a:p>
             <a:r>
               <a:rPr lang="sr-Latn-RS" dirty="0"/>
-              <a:t>Dijagram stanja nabavke</a:t>
-            </a:r>
-          </a:p>
-        </p:txBody>
-      </p:sp>
-      <p:sp>
-        <p:nvSpPr>
-          <p:cNvPr id="3" name="Subtitle 2"/>
-          <p:cNvSpPr>
-            <a:spLocks noGrp="1"/>
-          </p:cNvSpPr>
-          <p:nvPr>
-            <p:ph type="subTitle" idx="1"/>
-          </p:nvPr>
-        </p:nvSpPr>
-        <p:spPr>
-          <a:xfrm>
-            <a:off x="1154955" y="2239617"/>
-            <a:ext cx="8825658" cy="4293705"/>
-          </a:xfrm>
-        </p:spPr>
-        <p:txBody>
-          <a:bodyPr/>
-          <a:lstStyle/>
-          <a:p>
-            <a:endParaRPr lang="sr-Latn-RS" dirty="0"/>
+              <a:t>Nabavka materijala</a:t>
+            </a:r>
+          </a:p>
+        </p:txBody>
+      </p:sp>
+      <p:sp>
+        <p:nvSpPr>
+          <p:cNvPr id="3" name="Content Placeholder 2"/>
+          <p:cNvSpPr>
+            <a:spLocks noGrp="1"/>
+          </p:cNvSpPr>
+          <p:nvPr>
+            <p:ph sz="half" idx="1"/>
+          </p:nvPr>
+        </p:nvSpPr>
+        <p:spPr>
+          <a:xfrm>
+            <a:off x="646112" y="2060575"/>
+            <a:ext cx="4853540" cy="4195763"/>
+          </a:xfrm>
+        </p:spPr>
+        <p:txBody>
+          <a:bodyPr/>
+          <a:lstStyle/>
+          <a:p>
+            <a:r>
+              <a:rPr lang="sr-Latn-RS" dirty="0"/>
+              <a:t>Provera materijala na stanju: procenjuje se da li je potrebna nabavka</a:t>
+            </a:r>
+          </a:p>
+          <a:p>
+            <a:r>
+              <a:rPr lang="sr-Latn-RS" dirty="0"/>
+              <a:t>Oglašavanje nabavke materijala: oglašava se nabavka</a:t>
+            </a:r>
+          </a:p>
+          <a:p>
+            <a:r>
+              <a:rPr lang="sr-Latn-RS" dirty="0"/>
+              <a:t>Izbor dobavljača materijala: vrši se izbor dobavljača</a:t>
+            </a:r>
+          </a:p>
+          <a:p>
+            <a:r>
+              <a:rPr lang="sr-Latn-RS" dirty="0"/>
+              <a:t>Predaja naloga za nabavku: ispunjavanje, predaja, obrada naloga</a:t>
+            </a:r>
+          </a:p>
+          <a:p>
+            <a:r>
+              <a:rPr lang="sr-Latn-RS" dirty="0"/>
+              <a:t>Prijem materijala: pregled materijala</a:t>
+            </a:r>
+          </a:p>
+          <a:p>
+            <a:r>
+              <a:rPr lang="sr-Latn-RS" dirty="0"/>
+              <a:t>Kupovina i isplata materijala: vrši se krajnja kupovina, isplata</a:t>
+            </a:r>
           </a:p>
         </p:txBody>
       </p:sp>
       <p:pic>
         <p:nvPicPr>
-          <p:cNvPr id="4" name="Picture 3"/>
+          <p:cNvPr id="5" name="Image6"/>
           <p:cNvPicPr>
-            <a:picLocks noChangeAspect="1"/>
+            <a:picLocks noGrp="1"/>
           </p:cNvPicPr>
-          <p:nvPr/>
+          <p:nvPr>
+            <p:ph sz="half" idx="2"/>
+          </p:nvPr>
         </p:nvPicPr>
         <p:blipFill>
-          <a:blip r:embed="rId2"/>
+          <a:blip r:embed="rId2">
+            <a:lum/>
+            <a:alphaModFix/>
+          </a:blip>
+          <a:srcRect/>
           <a:stretch>
             <a:fillRect/>
           </a:stretch>
         </p:blipFill>
         <p:spPr>
           <a:xfrm>
-            <a:off x="1154955" y="2239617"/>
-            <a:ext cx="8825658" cy="4293705"/>
+            <a:off x="5838618" y="2055813"/>
+            <a:ext cx="4537834" cy="4200525"/>
           </a:xfrm>
           <a:prstGeom prst="rect">
             <a:avLst/>
           </a:prstGeom>
+          <a:ln>
+            <a:noFill/>
+            <a:prstDash/>
+          </a:ln>
         </p:spPr>
       </p:pic>
     </p:spTree>
     <p:extLst>
       <p:ext uri="{BB962C8B-B14F-4D97-AF65-F5344CB8AC3E}">
-        <p14:creationId xmlns:p14="http://schemas.microsoft.com/office/powerpoint/2010/main" val="2032899146"/>
+        <p14:creationId xmlns:p14="http://schemas.microsoft.com/office/powerpoint/2010/main" val="3732496593"/>
       </p:ext>
     </p:extLst>
   </p:cSld>
@@ -7334,21 +7676,36 @@
           <a:lstStyle/>
           <a:p>
             <a:r>
-              <a:rPr lang="sr-Latn-RS" dirty="0"/>
-              <a:t>Tok radova</a:t>
-            </a:r>
+              <a:rPr lang="en-GB" dirty="0" err="1"/>
+              <a:t>Dijagram</a:t>
+            </a:r>
+            <a:r>
+              <a:rPr lang="en-GB" dirty="0"/>
+              <a:t> </a:t>
+            </a:r>
+            <a:r>
+              <a:rPr lang="en-GB" dirty="0" err="1"/>
+              <a:t>stanja</a:t>
+            </a:r>
+            <a:r>
+              <a:rPr lang="en-GB" dirty="0"/>
+              <a:t> </a:t>
+            </a:r>
+            <a:r>
+              <a:rPr lang="en-GB" dirty="0" err="1"/>
+              <a:t>nabavke</a:t>
+            </a:r>
+            <a:endParaRPr lang="sr-Latn-RS" dirty="0"/>
           </a:p>
         </p:txBody>
       </p:sp>
       <p:pic>
         <p:nvPicPr>
-          <p:cNvPr id="5" name="Content Placeholder 4"/>
+          <p:cNvPr id="4" name="Picture 3"/>
           <p:cNvPicPr>
-            <a:picLocks noGrp="1" noChangeAspect="1"/>
+            <a:picLocks noChangeAspect="1"/>
           </p:cNvPicPr>
-          <p:nvPr>
-            <p:ph sz="half" idx="1"/>
-          </p:nvPr>
+          <p:nvPr/>
         </p:nvPicPr>
         <p:blipFill>
           <a:blip r:embed="rId2"/>
@@ -7358,60 +7715,18 @@
         </p:blipFill>
         <p:spPr>
           <a:xfrm>
-            <a:off x="5632175" y="2334386"/>
-            <a:ext cx="4585252" cy="2780953"/>
-          </a:xfrm>
+            <a:off x="2243322" y="1977976"/>
+            <a:ext cx="6210300" cy="4533900"/>
+          </a:xfrm>
+          <a:prstGeom prst="rect">
+            <a:avLst/>
+          </a:prstGeom>
         </p:spPr>
       </p:pic>
-      <p:sp>
-        <p:nvSpPr>
-          <p:cNvPr id="4" name="Content Placeholder 3"/>
-          <p:cNvSpPr>
-            <a:spLocks noGrp="1"/>
-          </p:cNvSpPr>
-          <p:nvPr>
-            <p:ph sz="half" idx="2"/>
-          </p:nvPr>
-        </p:nvSpPr>
-        <p:spPr>
-          <a:xfrm>
-            <a:off x="952131" y="2056091"/>
-            <a:ext cx="4163208" cy="4200245"/>
-          </a:xfrm>
-        </p:spPr>
-        <p:txBody>
-          <a:bodyPr/>
-          <a:lstStyle/>
-          <a:p>
-            <a:r>
-              <a:rPr lang="sr-Latn-RS" dirty="0"/>
-              <a:t>Priprema za rad: organizovanje na osnovu plana</a:t>
-            </a:r>
-          </a:p>
-          <a:p>
-            <a:r>
-              <a:rPr lang="sr-Latn-RS" dirty="0"/>
-              <a:t>Nedeljni izveštaj: pregled urađenog</a:t>
-            </a:r>
-          </a:p>
-          <a:p>
-            <a:r>
-              <a:rPr lang="sr-Latn-RS" dirty="0"/>
-              <a:t>Modifikacija plana rada: promena plana na osnovu izveštaja</a:t>
-            </a:r>
-          </a:p>
-          <a:p>
-            <a:r>
-              <a:rPr lang="sr-Latn-RS" dirty="0"/>
-              <a:t>Provera stanja materijala i mašina: na kraju nedelje procena o stanju materijala i mašina</a:t>
-            </a:r>
-          </a:p>
-        </p:txBody>
-      </p:sp>
     </p:spTree>
     <p:extLst>
       <p:ext uri="{BB962C8B-B14F-4D97-AF65-F5344CB8AC3E}">
-        <p14:creationId xmlns:p14="http://schemas.microsoft.com/office/powerpoint/2010/main" val="3313614450"/>
+        <p14:creationId xmlns:p14="http://schemas.microsoft.com/office/powerpoint/2010/main" val="3941870200"/>
       </p:ext>
     </p:extLst>
   </p:cSld>
@@ -7457,20 +7772,85 @@
           <a:lstStyle/>
           <a:p>
             <a:r>
+              <a:rPr lang="en-GB" dirty="0" err="1"/>
+              <a:t>Nabavka</a:t>
+            </a:r>
+            <a:r>
+              <a:rPr lang="en-GB" dirty="0"/>
+              <a:t> ma</a:t>
+            </a:r>
+            <a:r>
               <a:rPr lang="sr-Latn-RS" dirty="0"/>
-              <a:t>Prodaja i marketing</a:t>
+              <a:t>š</a:t>
+            </a:r>
+            <a:r>
+              <a:rPr lang="en-GB" dirty="0" err="1"/>
+              <a:t>ina</a:t>
+            </a:r>
+            <a:endParaRPr lang="sr-Latn-RS" dirty="0"/>
+          </a:p>
+        </p:txBody>
+      </p:sp>
+      <p:sp>
+        <p:nvSpPr>
+          <p:cNvPr id="3" name="Content Placeholder 2"/>
+          <p:cNvSpPr>
+            <a:spLocks noGrp="1"/>
+          </p:cNvSpPr>
+          <p:nvPr>
+            <p:ph sz="half" idx="1"/>
+          </p:nvPr>
+        </p:nvSpPr>
+        <p:spPr/>
+        <p:txBody>
+          <a:bodyPr/>
+          <a:lstStyle/>
+          <a:p>
+            <a:r>
+              <a:rPr lang="sr-Latn-RS" dirty="0"/>
+              <a:t>Provera stanja mašina</a:t>
+            </a:r>
+          </a:p>
+          <a:p>
+            <a:r>
+              <a:rPr lang="sr-Latn-RS" dirty="0"/>
+              <a:t>Izbor dobavljača mašina</a:t>
+            </a:r>
+          </a:p>
+          <a:p>
+            <a:r>
+              <a:rPr lang="sr-Latn-RS" dirty="0"/>
+              <a:t>Ispunjavanje naloga za nabavku</a:t>
+            </a:r>
+          </a:p>
+          <a:p>
+            <a:r>
+              <a:rPr lang="sr-Latn-RS" dirty="0"/>
+              <a:t>Predaja naloga za nabavku</a:t>
+            </a:r>
+          </a:p>
+          <a:p>
+            <a:r>
+              <a:rPr lang="sr-Latn-RS" dirty="0"/>
+              <a:t>Prijem mašina</a:t>
+            </a:r>
+          </a:p>
+          <a:p>
+            <a:r>
+              <a:rPr lang="sr-Latn-RS" dirty="0"/>
+              <a:t>Kupovina mašina</a:t>
             </a:r>
           </a:p>
         </p:txBody>
       </p:sp>
       <p:pic>
         <p:nvPicPr>
-          <p:cNvPr id="6" name="Content Placeholder 5"/>
+          <p:cNvPr id="5" name="Content Placeholder 4"/>
           <p:cNvPicPr>
             <a:picLocks noGrp="1" noChangeAspect="1"/>
           </p:cNvPicPr>
           <p:nvPr>
-            <p:ph sz="half" idx="1"/>
+            <p:ph sz="half" idx="2"/>
           </p:nvPr>
         </p:nvPicPr>
         <p:blipFill>
@@ -7481,60 +7861,15 @@
         </p:blipFill>
         <p:spPr>
           <a:xfrm>
-            <a:off x="5654492" y="2275423"/>
-            <a:ext cx="4850248" cy="3355893"/>
+            <a:off x="5499652" y="1853248"/>
+            <a:ext cx="4850296" cy="4403089"/>
           </a:xfrm>
         </p:spPr>
       </p:pic>
-      <p:sp>
-        <p:nvSpPr>
-          <p:cNvPr id="4" name="Content Placeholder 3"/>
-          <p:cNvSpPr>
-            <a:spLocks noGrp="1"/>
-          </p:cNvSpPr>
-          <p:nvPr>
-            <p:ph sz="half" idx="2"/>
-          </p:nvPr>
-        </p:nvSpPr>
-        <p:spPr>
-          <a:xfrm>
-            <a:off x="952131" y="2928731"/>
-            <a:ext cx="4396341" cy="1961322"/>
-          </a:xfrm>
-        </p:spPr>
-        <p:txBody>
-          <a:bodyPr/>
-          <a:lstStyle/>
-          <a:p>
-            <a:r>
-              <a:rPr lang="sr-Latn-RS" dirty="0"/>
-              <a:t>Oglašavanje</a:t>
-            </a:r>
-          </a:p>
-          <a:p>
-            <a:r>
-              <a:rPr lang="sr-Latn-RS" dirty="0"/>
-              <a:t>Stavljanje objekta u prodaju</a:t>
-            </a:r>
-          </a:p>
-          <a:p>
-            <a:r>
-              <a:rPr lang="sr-Latn-RS" dirty="0"/>
-              <a:t>Prezentovanje objekta kupcu</a:t>
-            </a:r>
-          </a:p>
-          <a:p>
-            <a:r>
-              <a:rPr lang="sr-Latn-RS" dirty="0"/>
-              <a:t>Prodaja</a:t>
-            </a:r>
-          </a:p>
-        </p:txBody>
-      </p:sp>
     </p:spTree>
     <p:extLst>
       <p:ext uri="{BB962C8B-B14F-4D97-AF65-F5344CB8AC3E}">
-        <p14:creationId xmlns:p14="http://schemas.microsoft.com/office/powerpoint/2010/main" val="133523298"/>
+        <p14:creationId xmlns:p14="http://schemas.microsoft.com/office/powerpoint/2010/main" val="2128324873"/>
       </p:ext>
     </p:extLst>
   </p:cSld>

--- a/Prezentacija.pptx
+++ b/Prezentacija.pptx
@@ -7298,11 +7298,15 @@
             </a:r>
             <a:r>
               <a:rPr lang="en-GB" dirty="0" err="1"/>
-              <a:t>analiya</a:t>
-            </a:r>
-            <a:r>
-              <a:rPr lang="en-GB" dirty="0"/>
-              <a:t> </a:t>
+              <a:t>anali</a:t>
+            </a:r>
+            <a:r>
+              <a:rPr lang="sr-Latn-RS"/>
+              <a:t>z</a:t>
+            </a:r>
+            <a:r>
+              <a:rPr lang="en-GB"/>
+              <a:t>a </a:t>
             </a:r>
             <a:r>
               <a:rPr lang="en-GB" dirty="0" err="1"/>

--- a/Prezentacija.pptx
+++ b/Prezentacija.pptx
@@ -8,13 +8,13 @@
     <p:sldId id="256" r:id="rId2"/>
     <p:sldId id="257" r:id="rId3"/>
     <p:sldId id="269" r:id="rId4"/>
-    <p:sldId id="258" r:id="rId5"/>
-    <p:sldId id="270" r:id="rId6"/>
+    <p:sldId id="270" r:id="rId5"/>
+    <p:sldId id="258" r:id="rId6"/>
     <p:sldId id="259" r:id="rId7"/>
-    <p:sldId id="260" r:id="rId8"/>
-    <p:sldId id="271" r:id="rId9"/>
-    <p:sldId id="262" r:id="rId10"/>
-    <p:sldId id="261" r:id="rId11"/>
+    <p:sldId id="271" r:id="rId8"/>
+    <p:sldId id="260" r:id="rId9"/>
+    <p:sldId id="261" r:id="rId10"/>
+    <p:sldId id="262" r:id="rId11"/>
     <p:sldId id="263" r:id="rId12"/>
     <p:sldId id="264" r:id="rId13"/>
     <p:sldId id="265" r:id="rId14"/>
@@ -6207,78 +6207,124 @@
             <a:spLocks noGrp="1"/>
           </p:cNvSpPr>
           <p:nvPr>
-            <p:ph type="ctrTitle"/>
-          </p:nvPr>
-        </p:nvSpPr>
-        <p:spPr>
-          <a:xfrm>
-            <a:off x="1154955" y="265043"/>
-            <a:ext cx="8825658" cy="1828800"/>
-          </a:xfrm>
-        </p:spPr>
-        <p:txBody>
-          <a:bodyPr/>
-          <a:lstStyle/>
-          <a:p>
+            <p:ph type="title"/>
+          </p:nvPr>
+        </p:nvSpPr>
+        <p:spPr/>
+        <p:txBody>
+          <a:bodyPr/>
+          <a:lstStyle/>
+          <a:p>
+            <a:r>
+              <a:rPr lang="en-GB" dirty="0" err="1"/>
+              <a:t>Nabavka</a:t>
+            </a:r>
+            <a:r>
+              <a:rPr lang="en-GB" dirty="0"/>
+              <a:t> ma</a:t>
+            </a:r>
             <a:r>
               <a:rPr lang="sr-Latn-RS" dirty="0"/>
-              <a:t>Dijagram stanja nabavke</a:t>
-            </a:r>
-          </a:p>
-        </p:txBody>
-      </p:sp>
-      <p:sp>
-        <p:nvSpPr>
-          <p:cNvPr id="3" name="Subtitle 2"/>
-          <p:cNvSpPr>
-            <a:spLocks noGrp="1"/>
-          </p:cNvSpPr>
-          <p:nvPr>
-            <p:ph type="subTitle" idx="1"/>
-          </p:nvPr>
-        </p:nvSpPr>
-        <p:spPr>
-          <a:xfrm>
-            <a:off x="1154955" y="2239617"/>
-            <a:ext cx="8825658" cy="4293705"/>
-          </a:xfrm>
-        </p:spPr>
-        <p:txBody>
-          <a:bodyPr/>
-          <a:lstStyle/>
-          <a:p>
+              <a:t>š</a:t>
+            </a:r>
+            <a:r>
+              <a:rPr lang="en-GB" dirty="0" err="1"/>
+              <a:t>ina</a:t>
+            </a:r>
             <a:endParaRPr lang="sr-Latn-RS" dirty="0"/>
+          </a:p>
+        </p:txBody>
+      </p:sp>
+      <p:sp>
+        <p:nvSpPr>
+          <p:cNvPr id="3" name="Content Placeholder 2"/>
+          <p:cNvSpPr>
+            <a:spLocks noGrp="1"/>
+          </p:cNvSpPr>
+          <p:nvPr>
+            <p:ph sz="half" idx="1"/>
+          </p:nvPr>
+        </p:nvSpPr>
+        <p:spPr/>
+        <p:txBody>
+          <a:bodyPr/>
+          <a:lstStyle/>
+          <a:p>
+            <a:r>
+              <a:rPr lang="sr-Latn-RS" dirty="0"/>
+              <a:t>Provera stanja mašina</a:t>
+            </a:r>
+          </a:p>
+          <a:p>
+            <a:r>
+              <a:rPr lang="sr-Latn-RS" dirty="0"/>
+              <a:t>Izbor dobavljača mašina</a:t>
+            </a:r>
+          </a:p>
+          <a:p>
+            <a:r>
+              <a:rPr lang="sr-Latn-RS" dirty="0"/>
+              <a:t>Ispunjavanje naloga za nabavku</a:t>
+            </a:r>
+          </a:p>
+          <a:p>
+            <a:r>
+              <a:rPr lang="sr-Latn-RS" dirty="0"/>
+              <a:t>Predaja naloga za nabavku</a:t>
+            </a:r>
+          </a:p>
+          <a:p>
+            <a:r>
+              <a:rPr lang="sr-Latn-RS" dirty="0"/>
+              <a:t>Prijem mašina</a:t>
+            </a:r>
+          </a:p>
+          <a:p>
+            <a:r>
+              <a:rPr lang="sr-Latn-RS" dirty="0"/>
+              <a:t>Kupovina mašina</a:t>
+            </a:r>
           </a:p>
         </p:txBody>
       </p:sp>
       <p:pic>
         <p:nvPicPr>
-          <p:cNvPr id="4" name="Picture 3"/>
+          <p:cNvPr id="6" name="Image13"/>
           <p:cNvPicPr>
-            <a:picLocks noChangeAspect="1"/>
+            <a:picLocks noGrp="1"/>
           </p:cNvPicPr>
-          <p:nvPr/>
+          <p:nvPr>
+            <p:ph sz="half" idx="2"/>
+          </p:nvPr>
         </p:nvPicPr>
         <p:blipFill>
-          <a:blip r:embed="rId2"/>
+          <a:blip r:embed="rId2">
+            <a:lum/>
+            <a:alphaModFix/>
+          </a:blip>
+          <a:srcRect/>
           <a:stretch>
             <a:fillRect/>
           </a:stretch>
         </p:blipFill>
         <p:spPr>
           <a:xfrm>
-            <a:off x="1154955" y="2239617"/>
-            <a:ext cx="8825658" cy="4293705"/>
+            <a:off x="5711687" y="1853248"/>
+            <a:ext cx="4227443" cy="3990961"/>
           </a:xfrm>
           <a:prstGeom prst="rect">
             <a:avLst/>
           </a:prstGeom>
+          <a:ln>
+            <a:noFill/>
+            <a:prstDash/>
+          </a:ln>
         </p:spPr>
       </p:pic>
     </p:spTree>
     <p:extLst>
       <p:ext uri="{BB962C8B-B14F-4D97-AF65-F5344CB8AC3E}">
-        <p14:creationId xmlns:p14="http://schemas.microsoft.com/office/powerpoint/2010/main" val="2032899146"/>
+        <p14:creationId xmlns:p14="http://schemas.microsoft.com/office/powerpoint/2010/main" val="2128324873"/>
       </p:ext>
     </p:extLst>
   </p:cSld>
@@ -7159,91 +7205,69 @@
           <a:lstStyle/>
           <a:p>
             <a:r>
-              <a:rPr lang="sr-Latn-RS" dirty="0"/>
-              <a:t>Planiranje projekta</a:t>
-            </a:r>
-            <a:endParaRPr lang="en-US" dirty="0"/>
-          </a:p>
-        </p:txBody>
-      </p:sp>
-      <p:sp>
-        <p:nvSpPr>
-          <p:cNvPr id="3" name="Content Placeholder 2"/>
-          <p:cNvSpPr>
-            <a:spLocks noGrp="1"/>
-          </p:cNvSpPr>
-          <p:nvPr>
-            <p:ph sz="half" idx="1"/>
-          </p:nvPr>
-        </p:nvSpPr>
-        <p:spPr>
-          <a:xfrm>
-            <a:off x="646112" y="2978332"/>
-            <a:ext cx="4853540" cy="2743200"/>
-          </a:xfrm>
-        </p:spPr>
-        <p:txBody>
-          <a:bodyPr/>
-          <a:lstStyle/>
-          <a:p>
-            <a:r>
-              <a:rPr lang="sr-Latn-RS" dirty="0"/>
-              <a:t>Okviri projekta: Građevinski inženjer postavlja okvire projekta</a:t>
-            </a:r>
-          </a:p>
-          <a:p>
-            <a:r>
-              <a:rPr lang="sr-Latn-RS" dirty="0"/>
-              <a:t>Projektovanje pbjekta: Arhitekta projektuje objekat na osnovu plana inženjera</a:t>
-            </a:r>
-          </a:p>
-          <a:p>
-            <a:r>
-              <a:rPr lang="sr-Latn-RS" dirty="0"/>
-              <a:t>Finansijska analiza projekta: Ekonomista vrši finansijsku analizu</a:t>
-            </a:r>
-            <a:endParaRPr lang="en-US" dirty="0"/>
+              <a:rPr lang="en-GB" dirty="0" err="1"/>
+              <a:t>Finansijska</a:t>
+            </a:r>
+            <a:r>
+              <a:rPr lang="en-GB" dirty="0"/>
+              <a:t> </a:t>
+            </a:r>
+            <a:r>
+              <a:rPr lang="en-GB" dirty="0" err="1"/>
+              <a:t>anali</a:t>
+            </a:r>
+            <a:r>
+              <a:rPr lang="sr-Latn-RS"/>
+              <a:t>z</a:t>
+            </a:r>
+            <a:r>
+              <a:rPr lang="en-GB"/>
+              <a:t>a </a:t>
+            </a:r>
+            <a:r>
+              <a:rPr lang="en-GB" dirty="0" err="1"/>
+              <a:t>projekta</a:t>
+            </a:r>
+            <a:r>
+              <a:rPr lang="en-GB" dirty="0"/>
+              <a:t>: </a:t>
+            </a:r>
+            <a:r>
+              <a:rPr lang="en-GB" dirty="0" err="1"/>
+              <a:t>dijagram</a:t>
+            </a:r>
+            <a:endParaRPr lang="sr-Latn-RS" dirty="0"/>
           </a:p>
         </p:txBody>
       </p:sp>
       <p:pic>
         <p:nvPicPr>
-          <p:cNvPr id="5" name="Image4"/>
+          <p:cNvPr id="3" name="Picture 2"/>
           <p:cNvPicPr>
-            <a:picLocks noGrp="1"/>
+            <a:picLocks noChangeAspect="1"/>
           </p:cNvPicPr>
-          <p:nvPr>
-            <p:ph sz="half" idx="2"/>
-          </p:nvPr>
+          <p:nvPr/>
         </p:nvPicPr>
         <p:blipFill>
-          <a:blip r:embed="rId2">
-            <a:lum/>
-            <a:alphaModFix/>
-          </a:blip>
-          <a:srcRect/>
+          <a:blip r:embed="rId2"/>
           <a:stretch>
             <a:fillRect/>
           </a:stretch>
         </p:blipFill>
         <p:spPr>
           <a:xfrm>
-            <a:off x="5865223" y="2060576"/>
-            <a:ext cx="4185611" cy="4195762"/>
+            <a:off x="1152939" y="2610364"/>
+            <a:ext cx="8897895" cy="3141080"/>
           </a:xfrm>
           <a:prstGeom prst="rect">
             <a:avLst/>
           </a:prstGeom>
-          <a:ln>
-            <a:noFill/>
-            <a:prstDash/>
-          </a:ln>
         </p:spPr>
       </p:pic>
     </p:spTree>
     <p:extLst>
       <p:ext uri="{BB962C8B-B14F-4D97-AF65-F5344CB8AC3E}">
-        <p14:creationId xmlns:p14="http://schemas.microsoft.com/office/powerpoint/2010/main" val="2612194374"/>
+        <p14:creationId xmlns:p14="http://schemas.microsoft.com/office/powerpoint/2010/main" val="3533259539"/>
       </p:ext>
     </p:extLst>
   </p:cSld>
@@ -7289,69 +7313,91 @@
           <a:lstStyle/>
           <a:p>
             <a:r>
-              <a:rPr lang="en-GB" dirty="0" err="1"/>
-              <a:t>Finansijska</a:t>
-            </a:r>
-            <a:r>
-              <a:rPr lang="en-GB" dirty="0"/>
-              <a:t> </a:t>
-            </a:r>
-            <a:r>
-              <a:rPr lang="en-GB" dirty="0" err="1"/>
-              <a:t>anali</a:t>
-            </a:r>
-            <a:r>
-              <a:rPr lang="sr-Latn-RS"/>
-              <a:t>z</a:t>
-            </a:r>
-            <a:r>
-              <a:rPr lang="en-GB"/>
-              <a:t>a </a:t>
-            </a:r>
-            <a:r>
-              <a:rPr lang="en-GB" dirty="0" err="1"/>
-              <a:t>projekta</a:t>
-            </a:r>
-            <a:r>
-              <a:rPr lang="en-GB" dirty="0"/>
-              <a:t>: </a:t>
-            </a:r>
-            <a:r>
-              <a:rPr lang="en-GB" dirty="0" err="1"/>
-              <a:t>dijagram</a:t>
-            </a:r>
-            <a:endParaRPr lang="sr-Latn-RS" dirty="0"/>
+              <a:rPr lang="sr-Latn-RS" dirty="0"/>
+              <a:t>Planiranje projekta</a:t>
+            </a:r>
+            <a:endParaRPr lang="en-US" dirty="0"/>
+          </a:p>
+        </p:txBody>
+      </p:sp>
+      <p:sp>
+        <p:nvSpPr>
+          <p:cNvPr id="3" name="Content Placeholder 2"/>
+          <p:cNvSpPr>
+            <a:spLocks noGrp="1"/>
+          </p:cNvSpPr>
+          <p:nvPr>
+            <p:ph sz="half" idx="1"/>
+          </p:nvPr>
+        </p:nvSpPr>
+        <p:spPr>
+          <a:xfrm>
+            <a:off x="646112" y="2978332"/>
+            <a:ext cx="4853540" cy="2743200"/>
+          </a:xfrm>
+        </p:spPr>
+        <p:txBody>
+          <a:bodyPr/>
+          <a:lstStyle/>
+          <a:p>
+            <a:r>
+              <a:rPr lang="sr-Latn-RS" dirty="0"/>
+              <a:t>Okviri projekta: Građevinski inženjer postavlja okvire projekta</a:t>
+            </a:r>
+          </a:p>
+          <a:p>
+            <a:r>
+              <a:rPr lang="sr-Latn-RS" dirty="0"/>
+              <a:t>Projektovanje pbjekta: Arhitekta projektuje objekat na osnovu plana inženjera</a:t>
+            </a:r>
+          </a:p>
+          <a:p>
+            <a:r>
+              <a:rPr lang="sr-Latn-RS" dirty="0"/>
+              <a:t>Finansijska analiza projekta: Ekonomista vrši finansijsku analizu</a:t>
+            </a:r>
+            <a:endParaRPr lang="en-US" dirty="0"/>
           </a:p>
         </p:txBody>
       </p:sp>
       <p:pic>
         <p:nvPicPr>
-          <p:cNvPr id="3" name="Picture 2"/>
+          <p:cNvPr id="5" name="Image4"/>
           <p:cNvPicPr>
-            <a:picLocks noChangeAspect="1"/>
+            <a:picLocks noGrp="1"/>
           </p:cNvPicPr>
-          <p:nvPr/>
+          <p:nvPr>
+            <p:ph sz="half" idx="2"/>
+          </p:nvPr>
         </p:nvPicPr>
         <p:blipFill>
-          <a:blip r:embed="rId2"/>
+          <a:blip r:embed="rId2">
+            <a:lum/>
+            <a:alphaModFix/>
+          </a:blip>
+          <a:srcRect/>
           <a:stretch>
             <a:fillRect/>
           </a:stretch>
         </p:blipFill>
         <p:spPr>
           <a:xfrm>
-            <a:off x="1152939" y="2610364"/>
-            <a:ext cx="8897895" cy="3141080"/>
+            <a:off x="5865223" y="2060576"/>
+            <a:ext cx="4185611" cy="4195762"/>
           </a:xfrm>
           <a:prstGeom prst="rect">
             <a:avLst/>
           </a:prstGeom>
+          <a:ln>
+            <a:noFill/>
+            <a:prstDash/>
+          </a:ln>
         </p:spPr>
       </p:pic>
     </p:spTree>
     <p:extLst>
       <p:ext uri="{BB962C8B-B14F-4D97-AF65-F5344CB8AC3E}">
-        <p14:creationId xmlns:p14="http://schemas.microsoft.com/office/powerpoint/2010/main" val="3533259539"/>
+        <p14:creationId xmlns:p14="http://schemas.microsoft.com/office/powerpoint/2010/main" val="2612194374"/>
       </p:ext>
     </p:extLst>
   </p:cSld>
@@ -7534,107 +7580,57 @@
           <a:lstStyle/>
           <a:p>
             <a:r>
-              <a:rPr lang="sr-Latn-RS" dirty="0"/>
-              <a:t>Nabavka materijala</a:t>
-            </a:r>
-          </a:p>
-        </p:txBody>
-      </p:sp>
-      <p:sp>
-        <p:nvSpPr>
-          <p:cNvPr id="3" name="Content Placeholder 2"/>
-          <p:cNvSpPr>
-            <a:spLocks noGrp="1"/>
-          </p:cNvSpPr>
-          <p:nvPr>
-            <p:ph sz="half" idx="1"/>
-          </p:nvPr>
-        </p:nvSpPr>
-        <p:spPr>
-          <a:xfrm>
-            <a:off x="646112" y="2060575"/>
-            <a:ext cx="4853540" cy="4195763"/>
-          </a:xfrm>
-        </p:spPr>
-        <p:txBody>
-          <a:bodyPr/>
-          <a:lstStyle/>
-          <a:p>
-            <a:r>
-              <a:rPr lang="sr-Latn-RS" dirty="0"/>
-              <a:t>Provera materijala na stanju: procenjuje se da li je potrebna nabavka</a:t>
-            </a:r>
-          </a:p>
-          <a:p>
-            <a:r>
-              <a:rPr lang="sr-Latn-RS" dirty="0"/>
-              <a:t>Oglašavanje nabavke materijala: oglašava se nabavka</a:t>
-            </a:r>
-          </a:p>
-          <a:p>
-            <a:r>
-              <a:rPr lang="sr-Latn-RS" dirty="0"/>
-              <a:t>Izbor dobavljača materijala: vrši se izbor dobavljača</a:t>
-            </a:r>
-          </a:p>
-          <a:p>
-            <a:r>
-              <a:rPr lang="sr-Latn-RS" dirty="0"/>
-              <a:t>Predaja naloga za nabavku: ispunjavanje, predaja, obrada naloga</a:t>
-            </a:r>
-          </a:p>
-          <a:p>
-            <a:r>
-              <a:rPr lang="sr-Latn-RS" dirty="0"/>
-              <a:t>Prijem materijala: pregled materijala</a:t>
-            </a:r>
-          </a:p>
-          <a:p>
-            <a:r>
-              <a:rPr lang="sr-Latn-RS" dirty="0"/>
-              <a:t>Kupovina i isplata materijala: vrši se krajnja kupovina, isplata</a:t>
-            </a:r>
+              <a:rPr lang="en-GB" dirty="0" err="1"/>
+              <a:t>Dijagram</a:t>
+            </a:r>
+            <a:r>
+              <a:rPr lang="en-GB" dirty="0"/>
+              <a:t> </a:t>
+            </a:r>
+            <a:r>
+              <a:rPr lang="en-GB" dirty="0" err="1"/>
+              <a:t>stanja</a:t>
+            </a:r>
+            <a:r>
+              <a:rPr lang="en-GB" dirty="0"/>
+              <a:t> </a:t>
+            </a:r>
+            <a:r>
+              <a:rPr lang="en-GB" dirty="0" err="1"/>
+              <a:t>nabavke</a:t>
+            </a:r>
+            <a:endParaRPr lang="sr-Latn-RS" dirty="0"/>
           </a:p>
         </p:txBody>
       </p:sp>
       <p:pic>
         <p:nvPicPr>
-          <p:cNvPr id="5" name="Image6"/>
+          <p:cNvPr id="4" name="Picture 3"/>
           <p:cNvPicPr>
-            <a:picLocks noGrp="1"/>
+            <a:picLocks noChangeAspect="1"/>
           </p:cNvPicPr>
-          <p:nvPr>
-            <p:ph sz="half" idx="2"/>
-          </p:nvPr>
+          <p:nvPr/>
         </p:nvPicPr>
         <p:blipFill>
-          <a:blip r:embed="rId2">
-            <a:lum/>
-            <a:alphaModFix/>
-          </a:blip>
-          <a:srcRect/>
+          <a:blip r:embed="rId2"/>
           <a:stretch>
             <a:fillRect/>
           </a:stretch>
         </p:blipFill>
         <p:spPr>
           <a:xfrm>
-            <a:off x="5838618" y="2055813"/>
-            <a:ext cx="4537834" cy="4200525"/>
+            <a:off x="2243322" y="1977976"/>
+            <a:ext cx="6210300" cy="4533900"/>
           </a:xfrm>
           <a:prstGeom prst="rect">
             <a:avLst/>
           </a:prstGeom>
-          <a:ln>
-            <a:noFill/>
-            <a:prstDash/>
-          </a:ln>
         </p:spPr>
       </p:pic>
     </p:spTree>
     <p:extLst>
       <p:ext uri="{BB962C8B-B14F-4D97-AF65-F5344CB8AC3E}">
-        <p14:creationId xmlns:p14="http://schemas.microsoft.com/office/powerpoint/2010/main" val="3732496593"/>
+        <p14:creationId xmlns:p14="http://schemas.microsoft.com/office/powerpoint/2010/main" val="3941870200"/>
       </p:ext>
     </p:extLst>
   </p:cSld>
@@ -7680,57 +7676,107 @@
           <a:lstStyle/>
           <a:p>
             <a:r>
-              <a:rPr lang="en-GB" dirty="0" err="1"/>
-              <a:t>Dijagram</a:t>
-            </a:r>
-            <a:r>
-              <a:rPr lang="en-GB" dirty="0"/>
-              <a:t> </a:t>
-            </a:r>
-            <a:r>
-              <a:rPr lang="en-GB" dirty="0" err="1"/>
-              <a:t>stanja</a:t>
-            </a:r>
-            <a:r>
-              <a:rPr lang="en-GB" dirty="0"/>
-              <a:t> </a:t>
-            </a:r>
-            <a:r>
-              <a:rPr lang="en-GB" dirty="0" err="1"/>
-              <a:t>nabavke</a:t>
-            </a:r>
-            <a:endParaRPr lang="sr-Latn-RS" dirty="0"/>
+              <a:rPr lang="sr-Latn-RS" dirty="0"/>
+              <a:t>Nabavka materijala</a:t>
+            </a:r>
+          </a:p>
+        </p:txBody>
+      </p:sp>
+      <p:sp>
+        <p:nvSpPr>
+          <p:cNvPr id="3" name="Content Placeholder 2"/>
+          <p:cNvSpPr>
+            <a:spLocks noGrp="1"/>
+          </p:cNvSpPr>
+          <p:nvPr>
+            <p:ph sz="half" idx="1"/>
+          </p:nvPr>
+        </p:nvSpPr>
+        <p:spPr>
+          <a:xfrm>
+            <a:off x="646112" y="2060575"/>
+            <a:ext cx="4853540" cy="4195763"/>
+          </a:xfrm>
+        </p:spPr>
+        <p:txBody>
+          <a:bodyPr/>
+          <a:lstStyle/>
+          <a:p>
+            <a:r>
+              <a:rPr lang="sr-Latn-RS" dirty="0"/>
+              <a:t>Provera materijala na stanju: procenjuje se da li je potrebna nabavka</a:t>
+            </a:r>
+          </a:p>
+          <a:p>
+            <a:r>
+              <a:rPr lang="sr-Latn-RS" dirty="0"/>
+              <a:t>Oglašavanje nabavke materijala: oglašava se nabavka</a:t>
+            </a:r>
+          </a:p>
+          <a:p>
+            <a:r>
+              <a:rPr lang="sr-Latn-RS" dirty="0"/>
+              <a:t>Izbor dobavljača materijala: vrši se izbor dobavljača</a:t>
+            </a:r>
+          </a:p>
+          <a:p>
+            <a:r>
+              <a:rPr lang="sr-Latn-RS" dirty="0"/>
+              <a:t>Predaja naloga za nabavku: ispunjavanje, predaja, obrada naloga</a:t>
+            </a:r>
+          </a:p>
+          <a:p>
+            <a:r>
+              <a:rPr lang="sr-Latn-RS" dirty="0"/>
+              <a:t>Prijem materijala: pregled materijala</a:t>
+            </a:r>
+          </a:p>
+          <a:p>
+            <a:r>
+              <a:rPr lang="sr-Latn-RS" dirty="0"/>
+              <a:t>Kupovina i isplata materijala: vrši se krajnja kupovina, isplata</a:t>
+            </a:r>
           </a:p>
         </p:txBody>
       </p:sp>
       <p:pic>
         <p:nvPicPr>
-          <p:cNvPr id="4" name="Picture 3"/>
+          <p:cNvPr id="5" name="Image6"/>
           <p:cNvPicPr>
-            <a:picLocks noChangeAspect="1"/>
+            <a:picLocks noGrp="1"/>
           </p:cNvPicPr>
-          <p:nvPr/>
+          <p:nvPr>
+            <p:ph sz="half" idx="2"/>
+          </p:nvPr>
         </p:nvPicPr>
         <p:blipFill>
-          <a:blip r:embed="rId2"/>
+          <a:blip r:embed="rId2">
+            <a:lum/>
+            <a:alphaModFix/>
+          </a:blip>
+          <a:srcRect/>
           <a:stretch>
             <a:fillRect/>
           </a:stretch>
         </p:blipFill>
         <p:spPr>
           <a:xfrm>
-            <a:off x="2243322" y="1977976"/>
-            <a:ext cx="6210300" cy="4533900"/>
+            <a:off x="5838618" y="2055813"/>
+            <a:ext cx="4537834" cy="4200525"/>
           </a:xfrm>
           <a:prstGeom prst="rect">
             <a:avLst/>
           </a:prstGeom>
+          <a:ln>
+            <a:noFill/>
+            <a:prstDash/>
+          </a:ln>
         </p:spPr>
       </p:pic>
     </p:spTree>
     <p:extLst>
       <p:ext uri="{BB962C8B-B14F-4D97-AF65-F5344CB8AC3E}">
-        <p14:creationId xmlns:p14="http://schemas.microsoft.com/office/powerpoint/2010/main" val="3941870200"/>
+        <p14:creationId xmlns:p14="http://schemas.microsoft.com/office/powerpoint/2010/main" val="3732496593"/>
       </p:ext>
     </p:extLst>
   </p:cSld>
@@ -7767,95 +7813,57 @@
             <a:spLocks noGrp="1"/>
           </p:cNvSpPr>
           <p:nvPr>
-            <p:ph type="title"/>
-          </p:nvPr>
-        </p:nvSpPr>
-        <p:spPr/>
-        <p:txBody>
-          <a:bodyPr/>
-          <a:lstStyle/>
-          <a:p>
-            <a:r>
-              <a:rPr lang="en-GB" dirty="0" err="1"/>
-              <a:t>Nabavka</a:t>
-            </a:r>
-            <a:r>
-              <a:rPr lang="en-GB" dirty="0"/>
-              <a:t> ma</a:t>
-            </a:r>
+            <p:ph type="ctrTitle"/>
+          </p:nvPr>
+        </p:nvSpPr>
+        <p:spPr>
+          <a:xfrm>
+            <a:off x="1154955" y="265043"/>
+            <a:ext cx="8825658" cy="1828800"/>
+          </a:xfrm>
+        </p:spPr>
+        <p:txBody>
+          <a:bodyPr/>
+          <a:lstStyle/>
+          <a:p>
             <a:r>
               <a:rPr lang="sr-Latn-RS" dirty="0"/>
-              <a:t>š</a:t>
-            </a:r>
-            <a:r>
-              <a:rPr lang="en-GB" dirty="0" err="1"/>
-              <a:t>ina</a:t>
-            </a:r>
+              <a:t>Dijagram stanja nabavke</a:t>
+            </a:r>
+          </a:p>
+        </p:txBody>
+      </p:sp>
+      <p:sp>
+        <p:nvSpPr>
+          <p:cNvPr id="3" name="Subtitle 2"/>
+          <p:cNvSpPr>
+            <a:spLocks noGrp="1"/>
+          </p:cNvSpPr>
+          <p:nvPr>
+            <p:ph type="subTitle" idx="1"/>
+          </p:nvPr>
+        </p:nvSpPr>
+        <p:spPr>
+          <a:xfrm>
+            <a:off x="1154955" y="2239617"/>
+            <a:ext cx="8825658" cy="4293705"/>
+          </a:xfrm>
+        </p:spPr>
+        <p:txBody>
+          <a:bodyPr/>
+          <a:lstStyle/>
+          <a:p>
             <a:endParaRPr lang="sr-Latn-RS" dirty="0"/>
-          </a:p>
-        </p:txBody>
-      </p:sp>
-      <p:sp>
-        <p:nvSpPr>
-          <p:cNvPr id="3" name="Content Placeholder 2"/>
-          <p:cNvSpPr>
-            <a:spLocks noGrp="1"/>
-          </p:cNvSpPr>
-          <p:nvPr>
-            <p:ph sz="half" idx="1"/>
-          </p:nvPr>
-        </p:nvSpPr>
-        <p:spPr/>
-        <p:txBody>
-          <a:bodyPr/>
-          <a:lstStyle/>
-          <a:p>
-            <a:r>
-              <a:rPr lang="sr-Latn-RS" dirty="0"/>
-              <a:t>Provera stanja mašina</a:t>
-            </a:r>
-          </a:p>
-          <a:p>
-            <a:r>
-              <a:rPr lang="sr-Latn-RS" dirty="0"/>
-              <a:t>Izbor dobavljača mašina</a:t>
-            </a:r>
-          </a:p>
-          <a:p>
-            <a:r>
-              <a:rPr lang="sr-Latn-RS" dirty="0"/>
-              <a:t>Ispunjavanje naloga za nabavku</a:t>
-            </a:r>
-          </a:p>
-          <a:p>
-            <a:r>
-              <a:rPr lang="sr-Latn-RS" dirty="0"/>
-              <a:t>Predaja naloga za nabavku</a:t>
-            </a:r>
-          </a:p>
-          <a:p>
-            <a:r>
-              <a:rPr lang="sr-Latn-RS" dirty="0"/>
-              <a:t>Prijem mašina</a:t>
-            </a:r>
-          </a:p>
-          <a:p>
-            <a:r>
-              <a:rPr lang="sr-Latn-RS" dirty="0"/>
-              <a:t>Kupovina mašina</a:t>
-            </a:r>
           </a:p>
         </p:txBody>
       </p:sp>
       <p:pic>
         <p:nvPicPr>
-          <p:cNvPr id="5" name="Content Placeholder 4"/>
+          <p:cNvPr id="4" name="Picture 3"/>
           <p:cNvPicPr>
-            <a:picLocks noGrp="1" noChangeAspect="1"/>
+            <a:picLocks noChangeAspect="1"/>
           </p:cNvPicPr>
-          <p:nvPr>
-            <p:ph sz="half" idx="2"/>
-          </p:nvPr>
+          <p:nvPr/>
         </p:nvPicPr>
         <p:blipFill>
           <a:blip r:embed="rId2"/>
@@ -7865,15 +7873,18 @@
         </p:blipFill>
         <p:spPr>
           <a:xfrm>
-            <a:off x="5499652" y="1853248"/>
-            <a:ext cx="4850296" cy="4403089"/>
-          </a:xfrm>
+            <a:off x="1154955" y="2239617"/>
+            <a:ext cx="8825658" cy="4293705"/>
+          </a:xfrm>
+          <a:prstGeom prst="rect">
+            <a:avLst/>
+          </a:prstGeom>
         </p:spPr>
       </p:pic>
     </p:spTree>
     <p:extLst>
       <p:ext uri="{BB962C8B-B14F-4D97-AF65-F5344CB8AC3E}">
-        <p14:creationId xmlns:p14="http://schemas.microsoft.com/office/powerpoint/2010/main" val="2128324873"/>
+        <p14:creationId xmlns:p14="http://schemas.microsoft.com/office/powerpoint/2010/main" val="2032899146"/>
       </p:ext>
     </p:extLst>
   </p:cSld>

--- a/Prezentacija.pptx
+++ b/Prezentacija.pptx
@@ -6079,11 +6079,7 @@
           <a:p>
             <a:r>
               <a:rPr lang="sr-Latn-RS" dirty="0"/>
-              <a:t>Mentor: profesor Saša </a:t>
-            </a:r>
-            <a:r>
-              <a:rPr lang="sr-Latn-RS" dirty="0" err="1"/>
-              <a:t>Malkov</a:t>
+              <a:t>Mentor: profesor Saša Malkov</a:t>
             </a:r>
             <a:endParaRPr lang="en-US" dirty="0"/>
           </a:p>
@@ -6216,7 +6212,7 @@
           <a:lstStyle/>
           <a:p>
             <a:r>
-              <a:rPr lang="en-GB" dirty="0" err="1"/>
+              <a:rPr lang="sr-Latn-RS" dirty="0"/>
               <a:t>Nabavka</a:t>
             </a:r>
             <a:r>
@@ -6225,13 +6221,8 @@
             </a:r>
             <a:r>
               <a:rPr lang="sr-Latn-RS" dirty="0"/>
-              <a:t>š</a:t>
-            </a:r>
-            <a:r>
-              <a:rPr lang="en-GB" dirty="0" err="1"/>
-              <a:t>ina</a:t>
-            </a:r>
-            <a:endParaRPr lang="sr-Latn-RS" dirty="0"/>
+              <a:t>šina</a:t>
+            </a:r>
           </a:p>
         </p:txBody>
       </p:sp>
@@ -6708,15 +6699,7 @@
           <a:p>
             <a:r>
               <a:rPr lang="sr-Latn-RS" dirty="0"/>
-              <a:t>Primeri, </a:t>
-            </a:r>
-            <a:r>
-              <a:rPr lang="sr-Latn-RS" dirty="0" err="1"/>
-              <a:t>sql</a:t>
-            </a:r>
-            <a:r>
-              <a:rPr lang="sr-Latn-RS" dirty="0"/>
-              <a:t> kodovi, dijagrami…</a:t>
+              <a:t>Primeri, SQL kodovi, dijagrami…</a:t>
             </a:r>
           </a:p>
         </p:txBody>
@@ -7205,36 +7188,16 @@
           <a:lstStyle/>
           <a:p>
             <a:r>
-              <a:rPr lang="en-GB" dirty="0" err="1"/>
-              <a:t>Finansijska</a:t>
-            </a:r>
-            <a:r>
               <a:rPr lang="en-GB" dirty="0"/>
-              <a:t> </a:t>
-            </a:r>
-            <a:r>
-              <a:rPr lang="en-GB" dirty="0" err="1"/>
-              <a:t>anali</a:t>
-            </a:r>
-            <a:r>
-              <a:rPr lang="sr-Latn-RS"/>
+              <a:t>Finansijska anali</a:t>
+            </a:r>
+            <a:r>
+              <a:rPr lang="sr-Latn-RS" dirty="0"/>
               <a:t>z</a:t>
             </a:r>
             <a:r>
-              <a:rPr lang="en-GB"/>
-              <a:t>a </a:t>
-            </a:r>
-            <a:r>
-              <a:rPr lang="en-GB" dirty="0" err="1"/>
-              <a:t>projekta</a:t>
-            </a:r>
-            <a:r>
               <a:rPr lang="en-GB" dirty="0"/>
-              <a:t>: </a:t>
-            </a:r>
-            <a:r>
-              <a:rPr lang="en-GB" dirty="0" err="1"/>
-              <a:t>dijagram</a:t>
+              <a:t>a projekta: dijagram</a:t>
             </a:r>
             <a:endParaRPr lang="sr-Latn-RS" dirty="0"/>
           </a:p>
@@ -7580,26 +7543,13 @@
           <a:lstStyle/>
           <a:p>
             <a:r>
-              <a:rPr lang="en-GB" dirty="0" err="1"/>
-              <a:t>Dijagram</a:t>
-            </a:r>
-            <a:r>
               <a:rPr lang="en-GB" dirty="0"/>
-              <a:t> </a:t>
-            </a:r>
-            <a:r>
-              <a:rPr lang="en-GB" dirty="0" err="1"/>
-              <a:t>stanja</a:t>
-            </a:r>
-            <a:r>
-              <a:rPr lang="en-GB" dirty="0"/>
-              <a:t> </a:t>
-            </a:r>
-            <a:r>
-              <a:rPr lang="en-GB" dirty="0" err="1"/>
+              <a:t>Dijagram stanja </a:t>
+            </a:r>
+            <a:r>
+              <a:rPr lang="sr-Latn-RS" dirty="0"/>
               <a:t>nabavke</a:t>
             </a:r>
-            <a:endParaRPr lang="sr-Latn-RS" dirty="0"/>
           </a:p>
         </p:txBody>
       </p:sp>
@@ -7808,33 +7758,6 @@
       </p:grpSpPr>
       <p:sp>
         <p:nvSpPr>
-          <p:cNvPr id="2" name="Title 1"/>
-          <p:cNvSpPr>
-            <a:spLocks noGrp="1"/>
-          </p:cNvSpPr>
-          <p:nvPr>
-            <p:ph type="ctrTitle"/>
-          </p:nvPr>
-        </p:nvSpPr>
-        <p:spPr>
-          <a:xfrm>
-            <a:off x="1154955" y="265043"/>
-            <a:ext cx="8825658" cy="1828800"/>
-          </a:xfrm>
-        </p:spPr>
-        <p:txBody>
-          <a:bodyPr/>
-          <a:lstStyle/>
-          <a:p>
-            <a:r>
-              <a:rPr lang="sr-Latn-RS" dirty="0"/>
-              <a:t>Dijagram stanja nabavke</a:t>
-            </a:r>
-          </a:p>
-        </p:txBody>
-      </p:sp>
-      <p:sp>
-        <p:nvSpPr>
           <p:cNvPr id="3" name="Subtitle 2"/>
           <p:cNvSpPr>
             <a:spLocks noGrp="1"/>
@@ -7881,6 +7804,111 @@
           </a:prstGeom>
         </p:spPr>
       </p:pic>
+      <p:sp>
+        <p:nvSpPr>
+          <p:cNvPr id="5" name="Title 1"/>
+          <p:cNvSpPr txBox="1">
+            <a:spLocks/>
+          </p:cNvSpPr>
+          <p:nvPr/>
+        </p:nvSpPr>
+        <p:spPr>
+          <a:xfrm>
+            <a:off x="646111" y="795130"/>
+            <a:ext cx="9404723" cy="821635"/>
+          </a:xfrm>
+          <a:prstGeom prst="rect">
+            <a:avLst/>
+          </a:prstGeom>
+        </p:spPr>
+        <p:txBody>
+          <a:bodyPr vert="horz" lIns="91440" tIns="45720" rIns="91440" bIns="45720" rtlCol="0" anchor="b">
+            <a:noAutofit/>
+          </a:bodyPr>
+          <a:lstStyle>
+            <a:lvl1pPr algn="l" defTabSz="457200" rtl="0" eaLnBrk="1" latinLnBrk="0" hangingPunct="1">
+              <a:spcBef>
+                <a:spcPct val="0"/>
+              </a:spcBef>
+              <a:buNone/>
+              <a:defRPr sz="7200" b="0" i="0" kern="1200">
+                <a:solidFill>
+                  <a:schemeClr val="tx2"/>
+                </a:solidFill>
+                <a:latin typeface="+mj-lt"/>
+                <a:ea typeface="+mj-ea"/>
+                <a:cs typeface="+mj-cs"/>
+              </a:defRPr>
+            </a:lvl1pPr>
+            <a:lvl2pPr eaLnBrk="1" hangingPunct="1">
+              <a:defRPr>
+                <a:solidFill>
+                  <a:schemeClr val="tx2"/>
+                </a:solidFill>
+              </a:defRPr>
+            </a:lvl2pPr>
+            <a:lvl3pPr eaLnBrk="1" hangingPunct="1">
+              <a:defRPr>
+                <a:solidFill>
+                  <a:schemeClr val="tx2"/>
+                </a:solidFill>
+              </a:defRPr>
+            </a:lvl3pPr>
+            <a:lvl4pPr eaLnBrk="1" hangingPunct="1">
+              <a:defRPr>
+                <a:solidFill>
+                  <a:schemeClr val="tx2"/>
+                </a:solidFill>
+              </a:defRPr>
+            </a:lvl4pPr>
+            <a:lvl5pPr eaLnBrk="1" hangingPunct="1">
+              <a:defRPr>
+                <a:solidFill>
+                  <a:schemeClr val="tx2"/>
+                </a:solidFill>
+              </a:defRPr>
+            </a:lvl5pPr>
+            <a:lvl6pPr eaLnBrk="1" hangingPunct="1">
+              <a:defRPr>
+                <a:solidFill>
+                  <a:schemeClr val="tx2"/>
+                </a:solidFill>
+              </a:defRPr>
+            </a:lvl6pPr>
+            <a:lvl7pPr eaLnBrk="1" hangingPunct="1">
+              <a:defRPr>
+                <a:solidFill>
+                  <a:schemeClr val="tx2"/>
+                </a:solidFill>
+              </a:defRPr>
+            </a:lvl7pPr>
+            <a:lvl8pPr eaLnBrk="1" hangingPunct="1">
+              <a:defRPr>
+                <a:solidFill>
+                  <a:schemeClr val="tx2"/>
+                </a:solidFill>
+              </a:defRPr>
+            </a:lvl8pPr>
+            <a:lvl9pPr eaLnBrk="1" hangingPunct="1">
+              <a:defRPr>
+                <a:solidFill>
+                  <a:schemeClr val="tx2"/>
+                </a:solidFill>
+              </a:defRPr>
+            </a:lvl9pPr>
+          </a:lstStyle>
+          <a:p>
+            <a:r>
+              <a:rPr lang="en-GB" sz="4200" dirty="0"/>
+              <a:t>Dijagram stanja </a:t>
+            </a:r>
+            <a:r>
+              <a:rPr lang="sr-Latn-RS" sz="4200" dirty="0"/>
+              <a:t>nabavke</a:t>
+            </a:r>
+          </a:p>
+        </p:txBody>
+      </p:sp>
     </p:spTree>
     <p:extLst>
       <p:ext uri="{BB962C8B-B14F-4D97-AF65-F5344CB8AC3E}">
